--- a/classes/Projeto final.pptx
+++ b/classes/Projeto final.pptx
@@ -20,7 +20,6 @@
     <p:sldId id="277" r:id="rId14"/>
     <p:sldId id="278" r:id="rId15"/>
     <p:sldId id="279" r:id="rId16"/>
-    <p:sldId id="274" r:id="rId17"/>
   </p:sldIdLst>
   <p:sldSz cx="12192000" cy="6858000"/>
   <p:notesSz cx="6858000" cy="9144000"/>
@@ -119,6 +118,11 @@
       </a:defRPr>
     </a:lvl9pPr>
   </p:defaultTextStyle>
+  <p:extLst>
+    <p:ext uri="{EFAFB233-063F-42B5-8137-9DF3F51BA10A}">
+      <p15:sldGuideLst xmlns:p15="http://schemas.microsoft.com/office/powerpoint/2012/main"/>
+    </p:ext>
+  </p:extLst>
 </p:presentation>
 </file>
 
@@ -156,7 +160,7 @@
           <p:cNvPr id="5" name="Rectangle 4">
             <a:extLst>
               <a:ext uri="{FF2B5EF4-FFF2-40B4-BE49-F238E27FC236}">
-                <a16:creationId xmlns:a16="http://schemas.microsoft.com/office/drawing/2014/main" id="{904DB13E-F722-4ED6-BB00-556651E95281}"/>
+                <a16:creationId xmlns:a16="http://schemas.microsoft.com/office/drawing/2014/main" xmlns="" id="{904DB13E-F722-4ED6-BB00-556651E95281}"/>
               </a:ext>
             </a:extLst>
           </p:cNvPr>
@@ -305,7 +309,7 @@
           <p:cNvPr id="7" name="Group 6">
             <a:extLst>
               <a:ext uri="{FF2B5EF4-FFF2-40B4-BE49-F238E27FC236}">
-                <a16:creationId xmlns:a16="http://schemas.microsoft.com/office/drawing/2014/main" id="{E26428D7-C6F3-473D-A360-A3F5C3E8728C}"/>
+                <a16:creationId xmlns:a16="http://schemas.microsoft.com/office/drawing/2014/main" xmlns="" id="{E26428D7-C6F3-473D-A360-A3F5C3E8728C}"/>
               </a:ext>
             </a:extLst>
           </p:cNvPr>
@@ -603,7 +607,7 @@
           <a:p>
             <a:fld id="{EA0C0817-A112-4847-8014-A94B7D2A4EA3}" type="datetime1">
               <a:rPr lang="en-US" smtClean="0"/>
-              <a:t>1/15/2020</a:t>
+              <a:t>1/16/2020</a:t>
             </a:fld>
             <a:endParaRPr lang="en-US" dirty="0"/>
           </a:p>
@@ -805,7 +809,7 @@
           <a:p>
             <a:fld id="{134F40B7-36AB-4376-BE14-EF7004D79BB9}" type="datetime1">
               <a:rPr lang="en-US" smtClean="0"/>
-              <a:t>1/15/2020</a:t>
+              <a:t>1/16/2020</a:t>
             </a:fld>
             <a:endParaRPr lang="en-US"/>
           </a:p>
@@ -985,7 +989,7 @@
           <a:p>
             <a:fld id="{FF87CAB8-DCAE-46A5-AADA-B3FAD11A54E0}" type="datetime1">
               <a:rPr lang="en-US" smtClean="0"/>
-              <a:t>1/15/2020</a:t>
+              <a:t>1/16/2020</a:t>
             </a:fld>
             <a:endParaRPr lang="en-US"/>
           </a:p>
@@ -1155,7 +1159,7 @@
           <a:p>
             <a:fld id="{7332B432-ACDA-4023-A761-2BAB76577B62}" type="datetime1">
               <a:rPr lang="en-US" smtClean="0"/>
-              <a:t>1/15/2020</a:t>
+              <a:t>1/16/2020</a:t>
             </a:fld>
             <a:endParaRPr lang="en-US"/>
           </a:p>
@@ -1238,7 +1242,7 @@
           <p:cNvPr id="15" name="Rectangle 14">
             <a:extLst>
               <a:ext uri="{FF2B5EF4-FFF2-40B4-BE49-F238E27FC236}">
-                <a16:creationId xmlns:a16="http://schemas.microsoft.com/office/drawing/2014/main" id="{0A4A1889-E37C-4EC3-9E41-9DAD221CF389}"/>
+                <a16:creationId xmlns:a16="http://schemas.microsoft.com/office/drawing/2014/main" xmlns="" id="{0A4A1889-E37C-4EC3-9E41-9DAD221CF389}"/>
               </a:ext>
             </a:extLst>
           </p:cNvPr>
@@ -1435,7 +1439,7 @@
           <p:cNvPr id="16" name="Group 15">
             <a:extLst>
               <a:ext uri="{FF2B5EF4-FFF2-40B4-BE49-F238E27FC236}">
-                <a16:creationId xmlns:a16="http://schemas.microsoft.com/office/drawing/2014/main" id="{1683EB04-C23E-490C-A1A6-030CF79D23C8}"/>
+                <a16:creationId xmlns:a16="http://schemas.microsoft.com/office/drawing/2014/main" xmlns="" id="{1683EB04-C23E-490C-A1A6-030CF79D23C8}"/>
               </a:ext>
             </a:extLst>
           </p:cNvPr>
@@ -1455,7 +1459,7 @@
             <p:cNvPr id="17" name="Straight Connector 16">
               <a:extLst>
                 <a:ext uri="{FF2B5EF4-FFF2-40B4-BE49-F238E27FC236}">
-                  <a16:creationId xmlns:a16="http://schemas.microsoft.com/office/drawing/2014/main" id="{F8A84C03-E1CA-4A4E-81D6-9BB0C335B7A0}"/>
+                  <a16:creationId xmlns:a16="http://schemas.microsoft.com/office/drawing/2014/main" xmlns="" id="{F8A84C03-E1CA-4A4E-81D6-9BB0C335B7A0}"/>
                 </a:ext>
               </a:extLst>
             </p:cNvPr>
@@ -1503,7 +1507,7 @@
             <p:cNvPr id="18" name="Straight Connector 17">
               <a:extLst>
                 <a:ext uri="{FF2B5EF4-FFF2-40B4-BE49-F238E27FC236}">
-                  <a16:creationId xmlns:a16="http://schemas.microsoft.com/office/drawing/2014/main" id="{4A26FB5A-D5D1-4DAB-AC43-7F51A7F2D197}"/>
+                  <a16:creationId xmlns:a16="http://schemas.microsoft.com/office/drawing/2014/main" xmlns="" id="{4A26FB5A-D5D1-4DAB-AC43-7F51A7F2D197}"/>
                 </a:ext>
               </a:extLst>
             </p:cNvPr>
@@ -1551,7 +1555,7 @@
             <p:cNvPr id="19" name="Straight Connector 18">
               <a:extLst>
                 <a:ext uri="{FF2B5EF4-FFF2-40B4-BE49-F238E27FC236}">
-                  <a16:creationId xmlns:a16="http://schemas.microsoft.com/office/drawing/2014/main" id="{49303F14-E560-4C02-94F4-B4695FE26813}"/>
+                  <a16:creationId xmlns:a16="http://schemas.microsoft.com/office/drawing/2014/main" xmlns="" id="{49303F14-E560-4C02-94F4-B4695FE26813}"/>
                 </a:ext>
               </a:extLst>
             </p:cNvPr>
@@ -1754,7 +1758,7 @@
           <a:p>
             <a:fld id="{D9C646AA-F36E-4540-911D-FFFC0A0EF24A}" type="datetime1">
               <a:rPr lang="en-US" smtClean="0"/>
-              <a:t>1/15/2020</a:t>
+              <a:t>1/16/2020</a:t>
             </a:fld>
             <a:endParaRPr lang="en-US" dirty="0"/>
           </a:p>
@@ -2074,7 +2078,7 @@
           <a:p>
             <a:fld id="{69186D26-FA5F-4637-B602-B7C2DC34CFD4}" type="datetime1">
               <a:rPr lang="en-US" smtClean="0"/>
-              <a:t>1/15/2020</a:t>
+              <a:t>1/16/2020</a:t>
             </a:fld>
             <a:endParaRPr lang="en-US"/>
           </a:p>
@@ -2509,7 +2513,7 @@
           <a:p>
             <a:fld id="{8A7F15D8-96D1-4781-BC50-CA8A088B2FE4}" type="datetime1">
               <a:rPr lang="en-US" smtClean="0"/>
-              <a:t>1/15/2020</a:t>
+              <a:t>1/16/2020</a:t>
             </a:fld>
             <a:endParaRPr lang="en-US"/>
           </a:p>
@@ -2627,7 +2631,7 @@
           <a:p>
             <a:fld id="{F9A96C99-B8F8-4528-BD05-0E16E943DC09}" type="datetime1">
               <a:rPr lang="en-US" smtClean="0"/>
-              <a:t>1/15/2020</a:t>
+              <a:t>1/16/2020</a:t>
             </a:fld>
             <a:endParaRPr lang="en-US"/>
           </a:p>
@@ -2722,7 +2726,7 @@
           <a:p>
             <a:fld id="{03636942-C211-4B28-8DBD-C953E00AF71B}" type="datetime1">
               <a:rPr lang="en-US" smtClean="0"/>
-              <a:t>1/15/2020</a:t>
+              <a:t>1/16/2020</a:t>
             </a:fld>
             <a:endParaRPr lang="en-US"/>
           </a:p>
@@ -2805,7 +2809,7 @@
           <p:cNvPr id="10" name="Rectangle 9">
             <a:extLst>
               <a:ext uri="{FF2B5EF4-FFF2-40B4-BE49-F238E27FC236}">
-                <a16:creationId xmlns:a16="http://schemas.microsoft.com/office/drawing/2014/main" id="{D5E1BBF9-8BEF-4353-BA68-30AAF9EBD8D8}"/>
+                <a16:creationId xmlns:a16="http://schemas.microsoft.com/office/drawing/2014/main" xmlns="" id="{D5E1BBF9-8BEF-4353-BA68-30AAF9EBD8D8}"/>
               </a:ext>
             </a:extLst>
           </p:cNvPr>
@@ -2852,7 +2856,7 @@
           <p:cNvPr id="13" name="Rectangle 12">
             <a:extLst>
               <a:ext uri="{FF2B5EF4-FFF2-40B4-BE49-F238E27FC236}">
-                <a16:creationId xmlns:a16="http://schemas.microsoft.com/office/drawing/2014/main" id="{5B941C21-2A5D-4912-AB06-1BB0C0EB6AE1}"/>
+                <a16:creationId xmlns:a16="http://schemas.microsoft.com/office/drawing/2014/main" xmlns="" id="{5B941C21-2A5D-4912-AB06-1BB0C0EB6AE1}"/>
               </a:ext>
             </a:extLst>
           </p:cNvPr>
@@ -3139,7 +3143,7 @@
           <a:p>
             <a:fld id="{7E8D12A6-918A-48BD-8CB9-CA713993B0EA}" type="datetime1">
               <a:rPr lang="en-US" smtClean="0"/>
-              <a:t>1/15/2020</a:t>
+              <a:t>1/16/2020</a:t>
             </a:fld>
             <a:endParaRPr lang="en-US"/>
           </a:p>
@@ -3247,7 +3251,7 @@
           <p:cNvPr id="11" name="Rectangle 10">
             <a:extLst>
               <a:ext uri="{FF2B5EF4-FFF2-40B4-BE49-F238E27FC236}">
-                <a16:creationId xmlns:a16="http://schemas.microsoft.com/office/drawing/2014/main" id="{E687CA98-D9C7-497F-A1DA-7D22F8753BCE}"/>
+                <a16:creationId xmlns:a16="http://schemas.microsoft.com/office/drawing/2014/main" xmlns="" id="{E687CA98-D9C7-497F-A1DA-7D22F8753BCE}"/>
               </a:ext>
             </a:extLst>
           </p:cNvPr>
@@ -3401,7 +3405,7 @@
             <a:fld id="{E778CE86-875F-4587-BCF6-FA054AFC0D53}" type="datetime1">
               <a:rPr lang="en-US" smtClean="0"/>
               <a:pPr/>
-              <a:t>1/15/2020</a:t>
+              <a:t>1/16/2020</a:t>
             </a:fld>
             <a:endParaRPr lang="en-US" dirty="0"/>
           </a:p>
@@ -3483,7 +3487,7 @@
           <p:cNvPr id="12" name="Rectangle 11">
             <a:extLst>
               <a:ext uri="{FF2B5EF4-FFF2-40B4-BE49-F238E27FC236}">
-                <a16:creationId xmlns:a16="http://schemas.microsoft.com/office/drawing/2014/main" id="{F8B3D8CC-BB13-41A5-8F34-B8E84A4F9534}"/>
+                <a16:creationId xmlns:a16="http://schemas.microsoft.com/office/drawing/2014/main" xmlns="" id="{F8B3D8CC-BB13-41A5-8F34-B8E84A4F9534}"/>
               </a:ext>
             </a:extLst>
           </p:cNvPr>
@@ -3685,7 +3689,7 @@
           <p:cNvPr id="9" name="Rectangle 8">
             <a:extLst>
               <a:ext uri="{FF2B5EF4-FFF2-40B4-BE49-F238E27FC236}">
-                <a16:creationId xmlns:a16="http://schemas.microsoft.com/office/drawing/2014/main" id="{1E94681D-2A4C-4A8D-B9B5-31D440D0328D}"/>
+                <a16:creationId xmlns:a16="http://schemas.microsoft.com/office/drawing/2014/main" xmlns="" id="{1E94681D-2A4C-4A8D-B9B5-31D440D0328D}"/>
               </a:ext>
             </a:extLst>
           </p:cNvPr>
@@ -3917,7 +3921,7 @@
           <a:p>
             <a:fld id="{F6FA2B21-3FCD-4721-B95C-427943F61125}" type="datetime1">
               <a:rPr lang="en-US" smtClean="0"/>
-              <a:t>1/15/2020</a:t>
+              <a:t>1/16/2020</a:t>
             </a:fld>
             <a:endParaRPr lang="en-US"/>
           </a:p>
@@ -4399,7 +4403,7 @@
           <p:cNvPr id="4" name="Picture 3">
             <a:extLst>
               <a:ext uri="{FF2B5EF4-FFF2-40B4-BE49-F238E27FC236}">
-                <a16:creationId xmlns:a16="http://schemas.microsoft.com/office/drawing/2014/main" id="{FF27F862-2CCD-42DE-ACE3-382DEEDE9A22}"/>
+                <a16:creationId xmlns:a16="http://schemas.microsoft.com/office/drawing/2014/main" xmlns="" id="{FF27F862-2CCD-42DE-ACE3-382DEEDE9A22}"/>
               </a:ext>
             </a:extLst>
           </p:cNvPr>
@@ -4428,10 +4432,10 @@
           <p:cNvPr id="9" name="Rectangle 8">
             <a:extLst>
               <a:ext uri="{FF2B5EF4-FFF2-40B4-BE49-F238E27FC236}">
-                <a16:creationId xmlns:a16="http://schemas.microsoft.com/office/drawing/2014/main" id="{2644B391-9BFE-445C-A9EC-F544BB85FBC7}"/>
+                <a16:creationId xmlns:a16="http://schemas.microsoft.com/office/drawing/2014/main" xmlns="" id="{2644B391-9BFE-445C-A9EC-F544BB85FBC7}"/>
               </a:ext>
               <a:ext uri="{C183D7F6-B498-43B3-948B-1728B52AA6E4}">
-                <adec:decorative xmlns:adec="http://schemas.microsoft.com/office/drawing/2017/decorative" val="1"/>
+                <adec:decorative xmlns:adec="http://schemas.microsoft.com/office/drawing/2017/decorative" xmlns="" val="1"/>
               </a:ext>
             </a:extLst>
           </p:cNvPr>
@@ -4441,7 +4445,7 @@
           <p:nvPr>
             <p:extLst>
               <p:ext uri="{386F3935-93C4-4BCD-93E2-E3B085C9AB24}">
-                <p16:designElem xmlns:p16="http://schemas.microsoft.com/office/powerpoint/2015/main" val="1"/>
+                <p16:designElem xmlns:p16="http://schemas.microsoft.com/office/powerpoint/2015/main" xmlns="" val="1"/>
               </p:ext>
             </p:extLst>
           </p:nvPr>
@@ -4473,10 +4477,10 @@
           <p:cNvPr id="11" name="Rectangle 10">
             <a:extLst>
               <a:ext uri="{FF2B5EF4-FFF2-40B4-BE49-F238E27FC236}">
-                <a16:creationId xmlns:a16="http://schemas.microsoft.com/office/drawing/2014/main" id="{80F26E69-87D9-4655-AE7B-280A87AA3CAD}"/>
+                <a16:creationId xmlns:a16="http://schemas.microsoft.com/office/drawing/2014/main" xmlns="" id="{80F26E69-87D9-4655-AE7B-280A87AA3CAD}"/>
               </a:ext>
               <a:ext uri="{C183D7F6-B498-43B3-948B-1728B52AA6E4}">
-                <adec:decorative xmlns:adec="http://schemas.microsoft.com/office/drawing/2017/decorative" val="1"/>
+                <adec:decorative xmlns:adec="http://schemas.microsoft.com/office/drawing/2017/decorative" xmlns="" val="1"/>
               </a:ext>
             </a:extLst>
           </p:cNvPr>
@@ -4486,7 +4490,7 @@
           <p:nvPr>
             <p:extLst>
               <p:ext uri="{386F3935-93C4-4BCD-93E2-E3B085C9AB24}">
-                <p16:designElem xmlns:p16="http://schemas.microsoft.com/office/powerpoint/2015/main" val="1"/>
+                <p16:designElem xmlns:p16="http://schemas.microsoft.com/office/powerpoint/2015/main" xmlns="" val="1"/>
               </p:ext>
             </p:extLst>
           </p:nvPr>
@@ -4517,7 +4521,7 @@
           <p:cNvPr id="2" name="Título 1">
             <a:extLst>
               <a:ext uri="{FF2B5EF4-FFF2-40B4-BE49-F238E27FC236}">
-                <a16:creationId xmlns:a16="http://schemas.microsoft.com/office/drawing/2014/main" id="{54E9A173-13AE-49FA-9A2B-2D52137CC154}"/>
+                <a16:creationId xmlns:a16="http://schemas.microsoft.com/office/drawing/2014/main" xmlns="" id="{54E9A173-13AE-49FA-9A2B-2D52137CC154}"/>
               </a:ext>
             </a:extLst>
           </p:cNvPr>
@@ -4556,7 +4560,7 @@
           <p:cNvPr id="3" name="Subtítulo 2">
             <a:extLst>
               <a:ext uri="{FF2B5EF4-FFF2-40B4-BE49-F238E27FC236}">
-                <a16:creationId xmlns:a16="http://schemas.microsoft.com/office/drawing/2014/main" id="{4117F65C-DAA7-4810-9D19-E945CBB7E7BA}"/>
+                <a16:creationId xmlns:a16="http://schemas.microsoft.com/office/drawing/2014/main" xmlns="" id="{4117F65C-DAA7-4810-9D19-E945CBB7E7BA}"/>
               </a:ext>
             </a:extLst>
           </p:cNvPr>
@@ -4625,7 +4629,7 @@
           <p:cNvPr id="2" name="Título 1">
             <a:extLst>
               <a:ext uri="{FF2B5EF4-FFF2-40B4-BE49-F238E27FC236}">
-                <a16:creationId xmlns:a16="http://schemas.microsoft.com/office/drawing/2014/main" id="{7CE2FC76-D030-46ED-B3A1-326D8A62DDCC}"/>
+                <a16:creationId xmlns:a16="http://schemas.microsoft.com/office/drawing/2014/main" xmlns="" id="{7CE2FC76-D030-46ED-B3A1-326D8A62DDCC}"/>
               </a:ext>
             </a:extLst>
           </p:cNvPr>
@@ -4653,7 +4657,7 @@
           <p:cNvPr id="3" name="Espaço Reservado para Conteúdo 2">
             <a:extLst>
               <a:ext uri="{FF2B5EF4-FFF2-40B4-BE49-F238E27FC236}">
-                <a16:creationId xmlns:a16="http://schemas.microsoft.com/office/drawing/2014/main" id="{597A98A9-C5A1-425B-ABF7-7D7902E97A1C}"/>
+                <a16:creationId xmlns:a16="http://schemas.microsoft.com/office/drawing/2014/main" xmlns="" id="{597A98A9-C5A1-425B-ABF7-7D7902E97A1C}"/>
               </a:ext>
             </a:extLst>
           </p:cNvPr>
@@ -4708,8 +4712,21 @@
             </a:r>
             <a:r>
               <a:rPr lang="pt-BR" dirty="0"/>
-              <a:t> front:</a:t>
-            </a:r>
+              <a:t> </a:t>
+            </a:r>
+            <a:r>
+              <a:rPr lang="pt-BR" dirty="0" smtClean="0"/>
+              <a:t>front-</a:t>
+            </a:r>
+            <a:r>
+              <a:rPr lang="pt-BR" dirty="0" err="1" smtClean="0"/>
+              <a:t>end</a:t>
+            </a:r>
+            <a:r>
+              <a:rPr lang="pt-BR" dirty="0" smtClean="0"/>
+              <a:t>:</a:t>
+            </a:r>
+            <a:endParaRPr lang="pt-BR" dirty="0"/>
           </a:p>
           <a:p>
             <a:pPr lvl="1"/>
@@ -4719,8 +4736,21 @@
             </a:r>
             <a:r>
               <a:rPr lang="pt-BR" dirty="0"/>
-              <a:t> Back:</a:t>
-            </a:r>
+              <a:t> </a:t>
+            </a:r>
+            <a:r>
+              <a:rPr lang="pt-BR" dirty="0" smtClean="0"/>
+              <a:t>Back-</a:t>
+            </a:r>
+            <a:r>
+              <a:rPr lang="pt-BR" dirty="0" err="1" smtClean="0"/>
+              <a:t>end</a:t>
+            </a:r>
+            <a:r>
+              <a:rPr lang="pt-BR" dirty="0" smtClean="0"/>
+              <a:t>:</a:t>
+            </a:r>
+            <a:endParaRPr lang="pt-BR" dirty="0"/>
           </a:p>
           <a:p>
             <a:endParaRPr lang="pt-BR" dirty="0"/>
@@ -4735,7 +4765,7 @@
           <p:cNvPr id="5" name="Espaço Reservado para Conteúdo 2">
             <a:extLst>
               <a:ext uri="{FF2B5EF4-FFF2-40B4-BE49-F238E27FC236}">
-                <a16:creationId xmlns:a16="http://schemas.microsoft.com/office/drawing/2014/main" id="{88F22D5E-AE81-4FF7-9AA6-F55E0D53A92B}"/>
+                <a16:creationId xmlns:a16="http://schemas.microsoft.com/office/drawing/2014/main" xmlns="" id="{88F22D5E-AE81-4FF7-9AA6-F55E0D53A92B}"/>
               </a:ext>
             </a:extLst>
           </p:cNvPr>
@@ -5013,8 +5043,21 @@
             </a:r>
             <a:r>
               <a:rPr lang="pt-BR" dirty="0"/>
-              <a:t> front:</a:t>
-            </a:r>
+              <a:t> </a:t>
+            </a:r>
+            <a:r>
+              <a:rPr lang="pt-BR" dirty="0" smtClean="0"/>
+              <a:t>front-</a:t>
+            </a:r>
+            <a:r>
+              <a:rPr lang="pt-BR" dirty="0" err="1" smtClean="0"/>
+              <a:t>end</a:t>
+            </a:r>
+            <a:r>
+              <a:rPr lang="pt-BR" dirty="0" smtClean="0"/>
+              <a:t>:</a:t>
+            </a:r>
+            <a:endParaRPr lang="pt-BR" dirty="0"/>
           </a:p>
           <a:p>
             <a:pPr lvl="1"/>
@@ -5024,8 +5067,21 @@
             </a:r>
             <a:r>
               <a:rPr lang="pt-BR" dirty="0"/>
-              <a:t> Back:</a:t>
-            </a:r>
+              <a:t> </a:t>
+            </a:r>
+            <a:r>
+              <a:rPr lang="pt-BR" dirty="0" smtClean="0"/>
+              <a:t>Back-</a:t>
+            </a:r>
+            <a:r>
+              <a:rPr lang="pt-BR" dirty="0" err="1" smtClean="0"/>
+              <a:t>end</a:t>
+            </a:r>
+            <a:r>
+              <a:rPr lang="pt-BR" dirty="0" smtClean="0"/>
+              <a:t>:</a:t>
+            </a:r>
+            <a:endParaRPr lang="pt-BR" dirty="0"/>
           </a:p>
           <a:p>
             <a:endParaRPr lang="pt-BR" dirty="0"/>
@@ -5070,7 +5126,7 @@
           <p:cNvPr id="2" name="Título 1">
             <a:extLst>
               <a:ext uri="{FF2B5EF4-FFF2-40B4-BE49-F238E27FC236}">
-                <a16:creationId xmlns:a16="http://schemas.microsoft.com/office/drawing/2014/main" id="{D32AD092-7444-4DC3-B5A1-FA335C4F56EF}"/>
+                <a16:creationId xmlns:a16="http://schemas.microsoft.com/office/drawing/2014/main" xmlns="" id="{D32AD092-7444-4DC3-B5A1-FA335C4F56EF}"/>
               </a:ext>
             </a:extLst>
           </p:cNvPr>
@@ -5095,7 +5151,7 @@
           <p:cNvPr id="3" name="Espaço Reservado para Conteúdo 2">
             <a:extLst>
               <a:ext uri="{FF2B5EF4-FFF2-40B4-BE49-F238E27FC236}">
-                <a16:creationId xmlns:a16="http://schemas.microsoft.com/office/drawing/2014/main" id="{084754BD-EB4C-4545-A4CA-84009A97B243}"/>
+                <a16:creationId xmlns:a16="http://schemas.microsoft.com/office/drawing/2014/main" xmlns="" id="{084754BD-EB4C-4545-A4CA-84009A97B243}"/>
               </a:ext>
             </a:extLst>
           </p:cNvPr>
@@ -5117,13 +5173,7 @@
       </p:sp>
       <p:pic>
         <p:nvPicPr>
-          <p:cNvPr id="6148" name="Picture 4" descr="Resultado de imagem para supermercado&quot;">
-            <a:extLst>
-              <a:ext uri="{FF2B5EF4-FFF2-40B4-BE49-F238E27FC236}">
-                <a16:creationId xmlns:a16="http://schemas.microsoft.com/office/drawing/2014/main" id="{5E591DC6-A191-4C82-99A0-A6A20AB344C6}"/>
-              </a:ext>
-            </a:extLst>
-          </p:cNvPr>
+          <p:cNvPr id="1028" name="Picture 4" descr="Resultado de imagem para Estoque&quot;"/>
           <p:cNvPicPr>
             <a:picLocks noChangeAspect="1" noChangeArrowheads="1"/>
           </p:cNvPicPr>
@@ -5144,8 +5194,8 @@
         </p:blipFill>
         <p:spPr bwMode="auto">
           <a:xfrm>
-            <a:off x="1574111" y="642594"/>
-            <a:ext cx="9551089" cy="5544098"/>
+            <a:off x="3418969" y="642594"/>
+            <a:ext cx="5544196" cy="5544197"/>
           </a:xfrm>
           <a:prstGeom prst="rect">
             <a:avLst/>
@@ -5197,7 +5247,7 @@
           <p:cNvPr id="2" name="Título 1">
             <a:extLst>
               <a:ext uri="{FF2B5EF4-FFF2-40B4-BE49-F238E27FC236}">
-                <a16:creationId xmlns:a16="http://schemas.microsoft.com/office/drawing/2014/main" id="{E22FFB55-E8FF-481B-90D9-DD790A15B212}"/>
+                <a16:creationId xmlns:a16="http://schemas.microsoft.com/office/drawing/2014/main" xmlns="" id="{E22FFB55-E8FF-481B-90D9-DD790A15B212}"/>
               </a:ext>
             </a:extLst>
           </p:cNvPr>
@@ -5225,7 +5275,7 @@
           <p:cNvPr id="3" name="Espaço Reservado para Conteúdo 2">
             <a:extLst>
               <a:ext uri="{FF2B5EF4-FFF2-40B4-BE49-F238E27FC236}">
-                <a16:creationId xmlns:a16="http://schemas.microsoft.com/office/drawing/2014/main" id="{06B57E29-DF5E-4D1A-BADB-602F69242365}"/>
+                <a16:creationId xmlns:a16="http://schemas.microsoft.com/office/drawing/2014/main" xmlns="" id="{06B57E29-DF5E-4D1A-BADB-602F69242365}"/>
               </a:ext>
             </a:extLst>
           </p:cNvPr>
@@ -5264,8 +5314,13 @@
             <a:pPr lvl="2"/>
             <a:r>
               <a:rPr lang="pt-BR" sz="3800" dirty="0"/>
-              <a:t>Cadastrar produto com os dados: nome, código, quantidade,  preço</a:t>
-            </a:r>
+              <a:t>Cadastrar produto com os dados: nome, código, quantidade,  </a:t>
+            </a:r>
+            <a:r>
+              <a:rPr lang="pt-BR" sz="3800" dirty="0" smtClean="0"/>
+              <a:t>preço;</a:t>
+            </a:r>
+            <a:endParaRPr lang="pt-BR" sz="3800" dirty="0"/>
           </a:p>
           <a:p>
             <a:pPr lvl="2"/>
@@ -5274,20 +5329,30 @@
               <a:t>Cadastro de gondola: rua, </a:t>
             </a:r>
             <a:r>
-              <a:rPr lang="pt-BR" sz="3800" dirty="0" err="1"/>
-              <a:t>orde</a:t>
-            </a:r>
-            <a:r>
-              <a:rPr lang="pt-BR" sz="3800" dirty="0"/>
-              <a:t>, prateleira</a:t>
-            </a:r>
+              <a:rPr lang="pt-BR" sz="3800" dirty="0" smtClean="0"/>
+              <a:t>ordem, prateleira.</a:t>
+            </a:r>
+            <a:endParaRPr lang="pt-BR" sz="3800" dirty="0"/>
           </a:p>
           <a:p>
             <a:pPr lvl="1"/>
             <a:r>
-              <a:rPr lang="pt-BR" sz="5100" dirty="0"/>
-              <a:t>Vendedor:</a:t>
-            </a:r>
+              <a:rPr lang="en-US" sz="5100" dirty="0" err="1"/>
+              <a:t>E</a:t>
+            </a:r>
+            <a:r>
+              <a:rPr lang="en-US" sz="5100" dirty="0" err="1" smtClean="0"/>
+              <a:t>stoquista</a:t>
+            </a:r>
+            <a:r>
+              <a:rPr lang="en-US" sz="2400" dirty="0" smtClean="0"/>
+              <a:t> </a:t>
+            </a:r>
+            <a:r>
+              <a:rPr lang="pt-BR" sz="5100" dirty="0" smtClean="0"/>
+              <a:t>:</a:t>
+            </a:r>
+            <a:endParaRPr lang="pt-BR" sz="5100" dirty="0"/>
           </a:p>
           <a:p>
             <a:pPr lvl="2"/>
@@ -5297,36 +5362,69 @@
             </a:r>
             <a:r>
               <a:rPr lang="pt-BR" sz="3800" dirty="0"/>
-              <a:t> na aplicação por sua matricula</a:t>
-            </a:r>
+              <a:t> na aplicação </a:t>
+            </a:r>
+            <a:r>
+              <a:rPr lang="pt-BR" sz="3800" dirty="0" smtClean="0"/>
+              <a:t>com </a:t>
+            </a:r>
+            <a:r>
+              <a:rPr lang="pt-BR" sz="3800" dirty="0"/>
+              <a:t>sua </a:t>
+            </a:r>
+            <a:r>
+              <a:rPr lang="pt-BR" sz="3800" dirty="0" smtClean="0"/>
+              <a:t>matricula;</a:t>
+            </a:r>
+            <a:endParaRPr lang="pt-BR" sz="3800" dirty="0"/>
           </a:p>
           <a:p>
             <a:pPr lvl="2"/>
             <a:r>
               <a:rPr lang="pt-BR" sz="3800" dirty="0"/>
-              <a:t>Consultar todos os produtos </a:t>
-            </a:r>
+              <a:t>Consultar todos os </a:t>
+            </a:r>
+            <a:r>
+              <a:rPr lang="pt-BR" sz="3800" dirty="0" smtClean="0"/>
+              <a:t>produtos;</a:t>
+            </a:r>
+            <a:endParaRPr lang="pt-BR" sz="3800" dirty="0"/>
           </a:p>
           <a:p>
             <a:pPr lvl="2"/>
             <a:r>
               <a:rPr lang="pt-BR" sz="3800" dirty="0"/>
-              <a:t>Consultar um produto por código</a:t>
-            </a:r>
+              <a:t>Consultar um produto por </a:t>
+            </a:r>
+            <a:r>
+              <a:rPr lang="pt-BR" sz="3800" dirty="0" smtClean="0"/>
+              <a:t>código;</a:t>
+            </a:r>
+            <a:endParaRPr lang="pt-BR" sz="3800" dirty="0"/>
           </a:p>
           <a:p>
             <a:pPr lvl="2"/>
             <a:r>
               <a:rPr lang="pt-BR" sz="3800" dirty="0"/>
-              <a:t>Visualizar se um produto encontra-se indisponível</a:t>
-            </a:r>
+              <a:t>Visualizar se um produto encontra-se </a:t>
+            </a:r>
+            <a:r>
+              <a:rPr lang="pt-BR" sz="3800" dirty="0" smtClean="0"/>
+              <a:t>indisponível;</a:t>
+            </a:r>
+            <a:endParaRPr lang="pt-BR" sz="3800" dirty="0"/>
           </a:p>
           <a:p>
             <a:pPr lvl="2"/>
             <a:r>
               <a:rPr lang="pt-BR" sz="3800" dirty="0"/>
-              <a:t>Determinar a localização de um produto</a:t>
-            </a:r>
+              <a:t>Determinar a localização de um </a:t>
+            </a:r>
+            <a:r>
+              <a:rPr lang="pt-BR" sz="3800" dirty="0" smtClean="0"/>
+              <a:t>produto.</a:t>
+            </a:r>
+            <a:endParaRPr lang="pt-BR" sz="3800" dirty="0"/>
           </a:p>
           <a:p>
             <a:pPr lvl="2"/>
@@ -5394,7 +5492,7 @@
           <p:cNvPr id="2" name="Título 1">
             <a:extLst>
               <a:ext uri="{FF2B5EF4-FFF2-40B4-BE49-F238E27FC236}">
-                <a16:creationId xmlns:a16="http://schemas.microsoft.com/office/drawing/2014/main" id="{EFAD387B-453F-45C7-9DF3-34053527848A}"/>
+                <a16:creationId xmlns:a16="http://schemas.microsoft.com/office/drawing/2014/main" xmlns="" id="{EFAD387B-453F-45C7-9DF3-34053527848A}"/>
               </a:ext>
             </a:extLst>
           </p:cNvPr>
@@ -5422,7 +5520,7 @@
           <p:cNvPr id="8" name="Retângulo 7">
             <a:extLst>
               <a:ext uri="{FF2B5EF4-FFF2-40B4-BE49-F238E27FC236}">
-                <a16:creationId xmlns:a16="http://schemas.microsoft.com/office/drawing/2014/main" id="{26DE708A-29A1-42E6-B70A-EFE2601740CB}"/>
+                <a16:creationId xmlns:a16="http://schemas.microsoft.com/office/drawing/2014/main" xmlns="" id="{26DE708A-29A1-42E6-B70A-EFE2601740CB}"/>
               </a:ext>
             </a:extLst>
           </p:cNvPr>
@@ -5472,7 +5570,7 @@
           <p:cNvPr id="9" name="Retângulo 8">
             <a:extLst>
               <a:ext uri="{FF2B5EF4-FFF2-40B4-BE49-F238E27FC236}">
-                <a16:creationId xmlns:a16="http://schemas.microsoft.com/office/drawing/2014/main" id="{E941B243-2324-4401-BB89-0FB75C7C0CBC}"/>
+                <a16:creationId xmlns:a16="http://schemas.microsoft.com/office/drawing/2014/main" xmlns="" id="{E941B243-2324-4401-BB89-0FB75C7C0CBC}"/>
               </a:ext>
             </a:extLst>
           </p:cNvPr>
@@ -5522,7 +5620,7 @@
           <p:cNvPr id="10" name="Losango 9">
             <a:extLst>
               <a:ext uri="{FF2B5EF4-FFF2-40B4-BE49-F238E27FC236}">
-                <a16:creationId xmlns:a16="http://schemas.microsoft.com/office/drawing/2014/main" id="{4ADAC4CB-974E-4FF4-8DFE-01380707293D}"/>
+                <a16:creationId xmlns:a16="http://schemas.microsoft.com/office/drawing/2014/main" xmlns="" id="{4ADAC4CB-974E-4FF4-8DFE-01380707293D}"/>
               </a:ext>
             </a:extLst>
           </p:cNvPr>
@@ -5531,7 +5629,7 @@
         </p:nvSpPr>
         <p:spPr>
           <a:xfrm>
-            <a:off x="4020712" y="1653845"/>
+            <a:off x="4020712" y="1679529"/>
             <a:ext cx="4352911" cy="1426209"/>
           </a:xfrm>
           <a:prstGeom prst="diamond">
@@ -5571,7 +5669,7 @@
           <p:cNvPr id="12" name="Conector reto 11">
             <a:extLst>
               <a:ext uri="{FF2B5EF4-FFF2-40B4-BE49-F238E27FC236}">
-                <a16:creationId xmlns:a16="http://schemas.microsoft.com/office/drawing/2014/main" id="{50D7ACE5-0CF5-4BA5-B248-9BB94B1D096B}"/>
+                <a16:creationId xmlns:a16="http://schemas.microsoft.com/office/drawing/2014/main" xmlns="" id="{50D7ACE5-0CF5-4BA5-B248-9BB94B1D096B}"/>
               </a:ext>
             </a:extLst>
           </p:cNvPr>
@@ -5583,9 +5681,9 @@
           <p:nvPr/>
         </p:nvCxnSpPr>
         <p:spPr>
-          <a:xfrm flipV="1">
-            <a:off x="3770142" y="2366950"/>
-            <a:ext cx="250570" cy="10743"/>
+          <a:xfrm>
+            <a:off x="3770142" y="2377693"/>
+            <a:ext cx="250570" cy="14941"/>
           </a:xfrm>
           <a:prstGeom prst="line">
             <a:avLst/>
@@ -5611,7 +5709,7 @@
           <p:cNvPr id="14" name="Conector reto 13">
             <a:extLst>
               <a:ext uri="{FF2B5EF4-FFF2-40B4-BE49-F238E27FC236}">
-                <a16:creationId xmlns:a16="http://schemas.microsoft.com/office/drawing/2014/main" id="{3346E66D-757E-432D-8906-9DDFB5D2D58A}"/>
+                <a16:creationId xmlns:a16="http://schemas.microsoft.com/office/drawing/2014/main" xmlns="" id="{3346E66D-757E-432D-8906-9DDFB5D2D58A}"/>
               </a:ext>
             </a:extLst>
           </p:cNvPr>
@@ -5623,7 +5721,7 @@
         </p:nvCxnSpPr>
         <p:spPr>
           <a:xfrm>
-            <a:off x="8373623" y="2366950"/>
+            <a:off x="8373623" y="2392634"/>
             <a:ext cx="336536" cy="0"/>
           </a:xfrm>
           <a:prstGeom prst="line">
@@ -5650,7 +5748,7 @@
           <p:cNvPr id="16" name="CaixaDeTexto 15">
             <a:extLst>
               <a:ext uri="{FF2B5EF4-FFF2-40B4-BE49-F238E27FC236}">
-                <a16:creationId xmlns:a16="http://schemas.microsoft.com/office/drawing/2014/main" id="{C195862E-9F21-49F9-9A96-92097E620CD6}"/>
+                <a16:creationId xmlns:a16="http://schemas.microsoft.com/office/drawing/2014/main" xmlns="" id="{C195862E-9F21-49F9-9A96-92097E620CD6}"/>
               </a:ext>
             </a:extLst>
           </p:cNvPr>
@@ -5685,7 +5783,7 @@
           <p:cNvPr id="17" name="CaixaDeTexto 16">
             <a:extLst>
               <a:ext uri="{FF2B5EF4-FFF2-40B4-BE49-F238E27FC236}">
-                <a16:creationId xmlns:a16="http://schemas.microsoft.com/office/drawing/2014/main" id="{B6E4324B-A44E-496D-A23E-75502A1AACD0}"/>
+                <a16:creationId xmlns:a16="http://schemas.microsoft.com/office/drawing/2014/main" xmlns="" id="{B6E4324B-A44E-496D-A23E-75502A1AACD0}"/>
               </a:ext>
             </a:extLst>
           </p:cNvPr>
@@ -5720,7 +5818,7 @@
           <p:cNvPr id="20" name="Tabela 19">
             <a:extLst>
               <a:ext uri="{FF2B5EF4-FFF2-40B4-BE49-F238E27FC236}">
-                <a16:creationId xmlns:a16="http://schemas.microsoft.com/office/drawing/2014/main" id="{9FA7B173-36F9-49B2-8714-00F3EB19C383}"/>
+                <a16:creationId xmlns:a16="http://schemas.microsoft.com/office/drawing/2014/main" xmlns="" id="{9FA7B173-36F9-49B2-8714-00F3EB19C383}"/>
               </a:ext>
             </a:extLst>
           </p:cNvPr>
@@ -5749,28 +5847,28 @@
                 <a:gridCol w="971990">
                   <a:extLst>
                     <a:ext uri="{9D8B030D-6E8A-4147-A177-3AD203B41FA5}">
-                      <a16:colId xmlns:a16="http://schemas.microsoft.com/office/drawing/2014/main" val="138766913"/>
+                      <a16:colId xmlns:a16="http://schemas.microsoft.com/office/drawing/2014/main" xmlns="" val="138766913"/>
                     </a:ext>
                   </a:extLst>
                 </a:gridCol>
                 <a:gridCol w="2156603">
                   <a:extLst>
                     <a:ext uri="{9D8B030D-6E8A-4147-A177-3AD203B41FA5}">
-                      <a16:colId xmlns:a16="http://schemas.microsoft.com/office/drawing/2014/main" val="3022716973"/>
+                      <a16:colId xmlns:a16="http://schemas.microsoft.com/office/drawing/2014/main" xmlns="" val="3022716973"/>
                     </a:ext>
                   </a:extLst>
                 </a:gridCol>
                 <a:gridCol w="1974355">
                   <a:extLst>
                     <a:ext uri="{9D8B030D-6E8A-4147-A177-3AD203B41FA5}">
-                      <a16:colId xmlns:a16="http://schemas.microsoft.com/office/drawing/2014/main" val="3946133842"/>
+                      <a16:colId xmlns:a16="http://schemas.microsoft.com/office/drawing/2014/main" xmlns="" val="3946133842"/>
                     </a:ext>
                   </a:extLst>
                 </a:gridCol>
                 <a:gridCol w="1032740">
                   <a:extLst>
                     <a:ext uri="{9D8B030D-6E8A-4147-A177-3AD203B41FA5}">
-                      <a16:colId xmlns:a16="http://schemas.microsoft.com/office/drawing/2014/main" val="3454379710"/>
+                      <a16:colId xmlns:a16="http://schemas.microsoft.com/office/drawing/2014/main" xmlns="" val="3454379710"/>
                     </a:ext>
                   </a:extLst>
                 </a:gridCol>
@@ -5831,7 +5929,7 @@
                 </a:tc>
                 <a:extLst>
                   <a:ext uri="{0D108BD9-81ED-4DB2-BD59-A6C34878D82A}">
-                    <a16:rowId xmlns:a16="http://schemas.microsoft.com/office/drawing/2014/main" val="3500846512"/>
+                    <a16:rowId xmlns:a16="http://schemas.microsoft.com/office/drawing/2014/main" xmlns="" val="3500846512"/>
                   </a:ext>
                 </a:extLst>
               </a:tr>
@@ -5930,7 +6028,7 @@
                 </a:tc>
                 <a:extLst>
                   <a:ext uri="{0D108BD9-81ED-4DB2-BD59-A6C34878D82A}">
-                    <a16:rowId xmlns:a16="http://schemas.microsoft.com/office/drawing/2014/main" val="1782808013"/>
+                    <a16:rowId xmlns:a16="http://schemas.microsoft.com/office/drawing/2014/main" xmlns="" val="1782808013"/>
                   </a:ext>
                 </a:extLst>
               </a:tr>
@@ -6029,7 +6127,7 @@
                 </a:tc>
                 <a:extLst>
                   <a:ext uri="{0D108BD9-81ED-4DB2-BD59-A6C34878D82A}">
-                    <a16:rowId xmlns:a16="http://schemas.microsoft.com/office/drawing/2014/main" val="1180833093"/>
+                    <a16:rowId xmlns:a16="http://schemas.microsoft.com/office/drawing/2014/main" xmlns="" val="1180833093"/>
                   </a:ext>
                 </a:extLst>
               </a:tr>
@@ -6128,7 +6226,7 @@
                 </a:tc>
                 <a:extLst>
                   <a:ext uri="{0D108BD9-81ED-4DB2-BD59-A6C34878D82A}">
-                    <a16:rowId xmlns:a16="http://schemas.microsoft.com/office/drawing/2014/main" val="359422294"/>
+                    <a16:rowId xmlns:a16="http://schemas.microsoft.com/office/drawing/2014/main" xmlns="" val="359422294"/>
                   </a:ext>
                 </a:extLst>
               </a:tr>
@@ -6227,7 +6325,7 @@
                 </a:tc>
                 <a:extLst>
                   <a:ext uri="{0D108BD9-81ED-4DB2-BD59-A6C34878D82A}">
-                    <a16:rowId xmlns:a16="http://schemas.microsoft.com/office/drawing/2014/main" val="1783596419"/>
+                    <a16:rowId xmlns:a16="http://schemas.microsoft.com/office/drawing/2014/main" xmlns="" val="1783596419"/>
                   </a:ext>
                 </a:extLst>
               </a:tr>
@@ -6240,7 +6338,7 @@
           <p:cNvPr id="21" name="Tabela 20">
             <a:extLst>
               <a:ext uri="{FF2B5EF4-FFF2-40B4-BE49-F238E27FC236}">
-                <a16:creationId xmlns:a16="http://schemas.microsoft.com/office/drawing/2014/main" id="{CDFF9BD4-C8F0-496D-BA92-12855E8A9726}"/>
+                <a16:creationId xmlns:a16="http://schemas.microsoft.com/office/drawing/2014/main" xmlns="" id="{CDFF9BD4-C8F0-496D-BA92-12855E8A9726}"/>
               </a:ext>
             </a:extLst>
           </p:cNvPr>
@@ -6269,42 +6367,42 @@
                 <a:gridCol w="1052303">
                   <a:extLst>
                     <a:ext uri="{9D8B030D-6E8A-4147-A177-3AD203B41FA5}">
-                      <a16:colId xmlns:a16="http://schemas.microsoft.com/office/drawing/2014/main" val="1789941621"/>
+                      <a16:colId xmlns:a16="http://schemas.microsoft.com/office/drawing/2014/main" xmlns="" val="1789941621"/>
                     </a:ext>
                   </a:extLst>
                 </a:gridCol>
                 <a:gridCol w="1052303">
                   <a:extLst>
                     <a:ext uri="{9D8B030D-6E8A-4147-A177-3AD203B41FA5}">
-                      <a16:colId xmlns:a16="http://schemas.microsoft.com/office/drawing/2014/main" val="2261572639"/>
+                      <a16:colId xmlns:a16="http://schemas.microsoft.com/office/drawing/2014/main" xmlns="" val="2261572639"/>
                     </a:ext>
                   </a:extLst>
                 </a:gridCol>
                 <a:gridCol w="1825086">
                   <a:extLst>
                     <a:ext uri="{9D8B030D-6E8A-4147-A177-3AD203B41FA5}">
-                      <a16:colId xmlns:a16="http://schemas.microsoft.com/office/drawing/2014/main" val="1264787048"/>
+                      <a16:colId xmlns:a16="http://schemas.microsoft.com/office/drawing/2014/main" xmlns="" val="1264787048"/>
                     </a:ext>
                   </a:extLst>
                 </a:gridCol>
                 <a:gridCol w="1052303">
                   <a:extLst>
                     <a:ext uri="{9D8B030D-6E8A-4147-A177-3AD203B41FA5}">
-                      <a16:colId xmlns:a16="http://schemas.microsoft.com/office/drawing/2014/main" val="1328914337"/>
+                      <a16:colId xmlns:a16="http://schemas.microsoft.com/office/drawing/2014/main" xmlns="" val="1328914337"/>
                     </a:ext>
                   </a:extLst>
                 </a:gridCol>
                 <a:gridCol w="1052303">
                   <a:extLst>
                     <a:ext uri="{9D8B030D-6E8A-4147-A177-3AD203B41FA5}">
-                      <a16:colId xmlns:a16="http://schemas.microsoft.com/office/drawing/2014/main" val="670077862"/>
+                      <a16:colId xmlns:a16="http://schemas.microsoft.com/office/drawing/2014/main" xmlns="" val="670077862"/>
                     </a:ext>
                   </a:extLst>
                 </a:gridCol>
                 <a:gridCol w="1052303">
                   <a:extLst>
                     <a:ext uri="{9D8B030D-6E8A-4147-A177-3AD203B41FA5}">
-                      <a16:colId xmlns:a16="http://schemas.microsoft.com/office/drawing/2014/main" val="2277335385"/>
+                      <a16:colId xmlns:a16="http://schemas.microsoft.com/office/drawing/2014/main" xmlns="" val="2277335385"/>
                     </a:ext>
                   </a:extLst>
                 </a:gridCol>
@@ -6385,7 +6483,7 @@
                 </a:tc>
                 <a:extLst>
                   <a:ext uri="{0D108BD9-81ED-4DB2-BD59-A6C34878D82A}">
-                    <a16:rowId xmlns:a16="http://schemas.microsoft.com/office/drawing/2014/main" val="1214496662"/>
+                    <a16:rowId xmlns:a16="http://schemas.microsoft.com/office/drawing/2014/main" xmlns="" val="1214496662"/>
                   </a:ext>
                 </a:extLst>
               </a:tr>
@@ -6530,7 +6628,7 @@
                 </a:tc>
                 <a:extLst>
                   <a:ext uri="{0D108BD9-81ED-4DB2-BD59-A6C34878D82A}">
-                    <a16:rowId xmlns:a16="http://schemas.microsoft.com/office/drawing/2014/main" val="1275160452"/>
+                    <a16:rowId xmlns:a16="http://schemas.microsoft.com/office/drawing/2014/main" xmlns="" val="1275160452"/>
                   </a:ext>
                 </a:extLst>
               </a:tr>
@@ -6675,7 +6773,7 @@
                 </a:tc>
                 <a:extLst>
                   <a:ext uri="{0D108BD9-81ED-4DB2-BD59-A6C34878D82A}">
-                    <a16:rowId xmlns:a16="http://schemas.microsoft.com/office/drawing/2014/main" val="1991314659"/>
+                    <a16:rowId xmlns:a16="http://schemas.microsoft.com/office/drawing/2014/main" xmlns="" val="1991314659"/>
                   </a:ext>
                 </a:extLst>
               </a:tr>
@@ -6820,7 +6918,7 @@
                 </a:tc>
                 <a:extLst>
                   <a:ext uri="{0D108BD9-81ED-4DB2-BD59-A6C34878D82A}">
-                    <a16:rowId xmlns:a16="http://schemas.microsoft.com/office/drawing/2014/main" val="70407098"/>
+                    <a16:rowId xmlns:a16="http://schemas.microsoft.com/office/drawing/2014/main" xmlns="" val="70407098"/>
                   </a:ext>
                 </a:extLst>
               </a:tr>
@@ -6965,7 +7063,7 @@
                 </a:tc>
                 <a:extLst>
                   <a:ext uri="{0D108BD9-81ED-4DB2-BD59-A6C34878D82A}">
-                    <a16:rowId xmlns:a16="http://schemas.microsoft.com/office/drawing/2014/main" val="2133947051"/>
+                    <a16:rowId xmlns:a16="http://schemas.microsoft.com/office/drawing/2014/main" xmlns="" val="2133947051"/>
                   </a:ext>
                 </a:extLst>
               </a:tr>
@@ -7110,7 +7208,7 @@
                 </a:tc>
                 <a:extLst>
                   <a:ext uri="{0D108BD9-81ED-4DB2-BD59-A6C34878D82A}">
-                    <a16:rowId xmlns:a16="http://schemas.microsoft.com/office/drawing/2014/main" val="3205666225"/>
+                    <a16:rowId xmlns:a16="http://schemas.microsoft.com/office/drawing/2014/main" xmlns="" val="3205666225"/>
                   </a:ext>
                 </a:extLst>
               </a:tr>
@@ -7255,7 +7353,7 @@
                 </a:tc>
                 <a:extLst>
                   <a:ext uri="{0D108BD9-81ED-4DB2-BD59-A6C34878D82A}">
-                    <a16:rowId xmlns:a16="http://schemas.microsoft.com/office/drawing/2014/main" val="3485645445"/>
+                    <a16:rowId xmlns:a16="http://schemas.microsoft.com/office/drawing/2014/main" xmlns="" val="3485645445"/>
                   </a:ext>
                 </a:extLst>
               </a:tr>
@@ -7298,7 +7396,7 @@
           <p:cNvPr id="2" name="Título 1">
             <a:extLst>
               <a:ext uri="{FF2B5EF4-FFF2-40B4-BE49-F238E27FC236}">
-                <a16:creationId xmlns:a16="http://schemas.microsoft.com/office/drawing/2014/main" id="{6943DD05-5135-41BA-876A-527328648C39}"/>
+                <a16:creationId xmlns:a16="http://schemas.microsoft.com/office/drawing/2014/main" xmlns="" id="{6943DD05-5135-41BA-876A-527328648C39}"/>
               </a:ext>
             </a:extLst>
           </p:cNvPr>
@@ -7326,7 +7424,7 @@
           <p:cNvPr id="3" name="Espaço Reservado para Conteúdo 2">
             <a:extLst>
               <a:ext uri="{FF2B5EF4-FFF2-40B4-BE49-F238E27FC236}">
-                <a16:creationId xmlns:a16="http://schemas.microsoft.com/office/drawing/2014/main" id="{57D2FF56-96A9-41DD-ACD1-824CE6195F7F}"/>
+                <a16:creationId xmlns:a16="http://schemas.microsoft.com/office/drawing/2014/main" xmlns="" id="{57D2FF56-96A9-41DD-ACD1-824CE6195F7F}"/>
               </a:ext>
             </a:extLst>
           </p:cNvPr>
@@ -7443,16 +7541,16 @@
               <a:t> -&gt; Obter todos os produtos, podendo ou não </a:t>
             </a:r>
             <a:r>
-              <a:rPr lang="pt-BR" dirty="0" err="1"/>
-              <a:t>filtar</a:t>
+              <a:rPr lang="pt-BR" dirty="0" smtClean="0"/>
+              <a:t>filtrar </a:t>
             </a:r>
             <a:r>
               <a:rPr lang="pt-BR" dirty="0"/>
-              <a:t> por disponíveis e </a:t>
-            </a:r>
-            <a:r>
-              <a:rPr lang="pt-BR" dirty="0" err="1"/>
-              <a:t>indiponiveis</a:t>
+              <a:t>por disponíveis e </a:t>
+            </a:r>
+            <a:r>
+              <a:rPr lang="pt-BR" dirty="0" smtClean="0"/>
+              <a:t>indisponíveis</a:t>
             </a:r>
             <a:endParaRPr lang="pt-BR" dirty="0"/>
           </a:p>
@@ -7584,7 +7682,7 @@
           <p:cNvPr id="2" name="Título 1">
             <a:extLst>
               <a:ext uri="{FF2B5EF4-FFF2-40B4-BE49-F238E27FC236}">
-                <a16:creationId xmlns:a16="http://schemas.microsoft.com/office/drawing/2014/main" id="{7CE2FC76-D030-46ED-B3A1-326D8A62DDCC}"/>
+                <a16:creationId xmlns:a16="http://schemas.microsoft.com/office/drawing/2014/main" xmlns="" id="{7CE2FC76-D030-46ED-B3A1-326D8A62DDCC}"/>
               </a:ext>
             </a:extLst>
           </p:cNvPr>
@@ -7612,7 +7710,7 @@
           <p:cNvPr id="3" name="Espaço Reservado para Conteúdo 2">
             <a:extLst>
               <a:ext uri="{FF2B5EF4-FFF2-40B4-BE49-F238E27FC236}">
-                <a16:creationId xmlns:a16="http://schemas.microsoft.com/office/drawing/2014/main" id="{597A98A9-C5A1-425B-ABF7-7D7902E97A1C}"/>
+                <a16:creationId xmlns:a16="http://schemas.microsoft.com/office/drawing/2014/main" xmlns="" id="{597A98A9-C5A1-425B-ABF7-7D7902E97A1C}"/>
               </a:ext>
             </a:extLst>
           </p:cNvPr>
@@ -7667,8 +7765,21 @@
             </a:r>
             <a:r>
               <a:rPr lang="pt-BR" dirty="0"/>
-              <a:t> front:</a:t>
-            </a:r>
+              <a:t> </a:t>
+            </a:r>
+            <a:r>
+              <a:rPr lang="pt-BR" dirty="0" smtClean="0"/>
+              <a:t>front-</a:t>
+            </a:r>
+            <a:r>
+              <a:rPr lang="pt-BR" dirty="0" err="1" smtClean="0"/>
+              <a:t>end</a:t>
+            </a:r>
+            <a:r>
+              <a:rPr lang="pt-BR" dirty="0" smtClean="0"/>
+              <a:t>:</a:t>
+            </a:r>
+            <a:endParaRPr lang="pt-BR" dirty="0"/>
           </a:p>
           <a:p>
             <a:pPr lvl="1"/>
@@ -7678,8 +7789,21 @@
             </a:r>
             <a:r>
               <a:rPr lang="pt-BR" dirty="0"/>
-              <a:t> Back:</a:t>
-            </a:r>
+              <a:t> </a:t>
+            </a:r>
+            <a:r>
+              <a:rPr lang="pt-BR" dirty="0" smtClean="0"/>
+              <a:t>Back-</a:t>
+            </a:r>
+            <a:r>
+              <a:rPr lang="pt-BR" dirty="0" err="1" smtClean="0"/>
+              <a:t>end</a:t>
+            </a:r>
+            <a:r>
+              <a:rPr lang="pt-BR" dirty="0" smtClean="0"/>
+              <a:t>:</a:t>
+            </a:r>
+            <a:endParaRPr lang="pt-BR" dirty="0"/>
           </a:p>
           <a:p>
             <a:endParaRPr lang="pt-BR" dirty="0"/>
@@ -7694,7 +7818,7 @@
           <p:cNvPr id="5" name="Espaço Reservado para Conteúdo 2">
             <a:extLst>
               <a:ext uri="{FF2B5EF4-FFF2-40B4-BE49-F238E27FC236}">
-                <a16:creationId xmlns:a16="http://schemas.microsoft.com/office/drawing/2014/main" id="{88F22D5E-AE81-4FF7-9AA6-F55E0D53A92B}"/>
+                <a16:creationId xmlns:a16="http://schemas.microsoft.com/office/drawing/2014/main" xmlns="" id="{88F22D5E-AE81-4FF7-9AA6-F55E0D53A92B}"/>
               </a:ext>
             </a:extLst>
           </p:cNvPr>
@@ -7972,8 +8096,21 @@
             </a:r>
             <a:r>
               <a:rPr lang="pt-BR" dirty="0"/>
-              <a:t> front:</a:t>
-            </a:r>
+              <a:t> </a:t>
+            </a:r>
+            <a:r>
+              <a:rPr lang="pt-BR" dirty="0"/>
+              <a:t>front-</a:t>
+            </a:r>
+            <a:r>
+              <a:rPr lang="pt-BR" dirty="0" err="1"/>
+              <a:t>end</a:t>
+            </a:r>
+            <a:r>
+              <a:rPr lang="pt-BR" dirty="0"/>
+              <a:t>:</a:t>
+            </a:r>
+            <a:endParaRPr lang="pt-BR" dirty="0"/>
           </a:p>
           <a:p>
             <a:pPr lvl="1"/>
@@ -7983,8 +8120,21 @@
             </a:r>
             <a:r>
               <a:rPr lang="pt-BR" dirty="0"/>
-              <a:t> Back:</a:t>
-            </a:r>
+              <a:t> </a:t>
+            </a:r>
+            <a:r>
+              <a:rPr lang="pt-BR" dirty="0"/>
+              <a:t>Back-</a:t>
+            </a:r>
+            <a:r>
+              <a:rPr lang="pt-BR" dirty="0" err="1"/>
+              <a:t>end</a:t>
+            </a:r>
+            <a:r>
+              <a:rPr lang="pt-BR" dirty="0"/>
+              <a:t>:</a:t>
+            </a:r>
+            <a:endParaRPr lang="pt-BR" dirty="0"/>
           </a:p>
           <a:p>
             <a:endParaRPr lang="pt-BR" dirty="0"/>
@@ -7998,110 +8148,6 @@
     <p:extLst>
       <p:ext uri="{BB962C8B-B14F-4D97-AF65-F5344CB8AC3E}">
         <p14:creationId xmlns:p14="http://schemas.microsoft.com/office/powerpoint/2010/main" val="994438338"/>
-      </p:ext>
-    </p:extLst>
-  </p:cSld>
-  <p:clrMapOvr>
-    <a:masterClrMapping/>
-  </p:clrMapOvr>
-</p:sld>
-</file>
-
-<file path=ppt/slides/slide16.xml><?xml version="1.0" encoding="utf-8"?>
-<p:sld xmlns:a="http://schemas.openxmlformats.org/drawingml/2006/main" xmlns:r="http://schemas.openxmlformats.org/officeDocument/2006/relationships" xmlns:p="http://schemas.openxmlformats.org/presentationml/2006/main">
-  <p:cSld>
-    <p:spTree>
-      <p:nvGrpSpPr>
-        <p:cNvPr id="1" name=""/>
-        <p:cNvGrpSpPr/>
-        <p:nvPr/>
-      </p:nvGrpSpPr>
-      <p:grpSpPr>
-        <a:xfrm>
-          <a:off x="0" y="0"/>
-          <a:ext cx="0" cy="0"/>
-          <a:chOff x="0" y="0"/>
-          <a:chExt cx="0" cy="0"/>
-        </a:xfrm>
-      </p:grpSpPr>
-      <p:sp>
-        <p:nvSpPr>
-          <p:cNvPr id="2" name="Título 1">
-            <a:extLst>
-              <a:ext uri="{FF2B5EF4-FFF2-40B4-BE49-F238E27FC236}">
-                <a16:creationId xmlns:a16="http://schemas.microsoft.com/office/drawing/2014/main" id="{C2CB4711-A33F-404A-A1CE-4AA89AD28D25}"/>
-              </a:ext>
-            </a:extLst>
-          </p:cNvPr>
-          <p:cNvSpPr>
-            <a:spLocks noGrp="1"/>
-          </p:cNvSpPr>
-          <p:nvPr>
-            <p:ph type="title"/>
-          </p:nvPr>
-        </p:nvSpPr>
-        <p:spPr/>
-        <p:txBody>
-          <a:bodyPr/>
-          <a:lstStyle/>
-          <a:p>
-            <a:endParaRPr lang="pt-BR"/>
-          </a:p>
-        </p:txBody>
-      </p:sp>
-      <p:pic>
-        <p:nvPicPr>
-          <p:cNvPr id="5122" name="Picture 2" descr="Resultado de imagem para Se fudeu gif&quot;">
-            <a:extLst>
-              <a:ext uri="{FF2B5EF4-FFF2-40B4-BE49-F238E27FC236}">
-                <a16:creationId xmlns:a16="http://schemas.microsoft.com/office/drawing/2014/main" id="{EBC6BBFC-5367-4213-95CA-D6F5D20026DA}"/>
-              </a:ext>
-            </a:extLst>
-          </p:cNvPr>
-          <p:cNvPicPr>
-            <a:picLocks noGrp="1" noChangeAspect="1" noChangeArrowheads="1" noCrop="1"/>
-          </p:cNvPicPr>
-          <p:nvPr>
-            <p:ph idx="1"/>
-          </p:nvPr>
-        </p:nvPicPr>
-        <p:blipFill>
-          <a:blip r:embed="rId2">
-            <a:extLst>
-              <a:ext uri="{28A0092B-C50C-407E-A947-70E740481C1C}">
-                <a14:useLocalDpi xmlns:a14="http://schemas.microsoft.com/office/drawing/2010/main" val="0"/>
-              </a:ext>
-            </a:extLst>
-          </a:blip>
-          <a:srcRect/>
-          <a:stretch>
-            <a:fillRect/>
-          </a:stretch>
-        </p:blipFill>
-        <p:spPr bwMode="auto">
-          <a:xfrm>
-            <a:off x="3078772" y="1300258"/>
-            <a:ext cx="5731577" cy="4298683"/>
-          </a:xfrm>
-          <a:prstGeom prst="rect">
-            <a:avLst/>
-          </a:prstGeom>
-          <a:noFill/>
-          <a:extLst>
-            <a:ext uri="{909E8E84-426E-40DD-AFC4-6F175D3DCCD1}">
-              <a14:hiddenFill xmlns:a14="http://schemas.microsoft.com/office/drawing/2010/main">
-                <a:solidFill>
-                  <a:srgbClr val="FFFFFF"/>
-                </a:solidFill>
-              </a14:hiddenFill>
-            </a:ext>
-          </a:extLst>
-        </p:spPr>
-      </p:pic>
-    </p:spTree>
-    <p:extLst>
-      <p:ext uri="{BB962C8B-B14F-4D97-AF65-F5344CB8AC3E}">
-        <p14:creationId xmlns:p14="http://schemas.microsoft.com/office/powerpoint/2010/main" val="3397913673"/>
       </p:ext>
     </p:extLst>
   </p:cSld>
@@ -8133,7 +8179,7 @@
           <p:cNvPr id="2" name="Título 1">
             <a:extLst>
               <a:ext uri="{FF2B5EF4-FFF2-40B4-BE49-F238E27FC236}">
-                <a16:creationId xmlns:a16="http://schemas.microsoft.com/office/drawing/2014/main" id="{FA9E81F2-F35F-4701-8F3C-E79202095F38}"/>
+                <a16:creationId xmlns:a16="http://schemas.microsoft.com/office/drawing/2014/main" xmlns="" id="{FA9E81F2-F35F-4701-8F3C-E79202095F38}"/>
               </a:ext>
             </a:extLst>
           </p:cNvPr>
@@ -8165,7 +8211,7 @@
           <p:cNvPr id="3" name="Espaço Reservado para Conteúdo 2">
             <a:extLst>
               <a:ext uri="{FF2B5EF4-FFF2-40B4-BE49-F238E27FC236}">
-                <a16:creationId xmlns:a16="http://schemas.microsoft.com/office/drawing/2014/main" id="{1867FF3C-FB7F-4CAA-8B3E-C94535C57D36}"/>
+                <a16:creationId xmlns:a16="http://schemas.microsoft.com/office/drawing/2014/main" xmlns="" id="{1867FF3C-FB7F-4CAA-8B3E-C94535C57D36}"/>
               </a:ext>
             </a:extLst>
           </p:cNvPr>
@@ -8214,16 +8260,40 @@
               <a:t>Herança e </a:t>
             </a:r>
             <a:r>
+              <a:rPr lang="pt-BR" sz="3000" dirty="0" smtClean="0"/>
+              <a:t>polimorfismo</a:t>
+            </a:r>
+            <a:endParaRPr lang="pt-BR" sz="3000" dirty="0"/>
+          </a:p>
+          <a:p>
+            <a:pPr lvl="1"/>
+            <a:r>
+              <a:rPr lang="pt-BR" sz="3000" dirty="0" err="1" smtClean="0"/>
+              <a:t>Overloading</a:t>
+            </a:r>
+            <a:r>
+              <a:rPr lang="pt-BR" sz="3000" dirty="0" smtClean="0"/>
+              <a:t> </a:t>
+            </a:r>
+            <a:r>
+              <a:rPr lang="pt-BR" sz="3000" dirty="0"/>
+              <a:t>e </a:t>
+            </a:r>
+            <a:r>
               <a:rPr lang="pt-BR" sz="3000" dirty="0" err="1"/>
-              <a:t>polimosfismo</a:t>
-            </a:r>
-            <a:endParaRPr lang="pt-BR" sz="3000" dirty="0"/>
-          </a:p>
-          <a:p>
-            <a:pPr lvl="1"/>
+              <a:t>override</a:t>
+            </a:r>
             <a:r>
               <a:rPr lang="pt-BR" sz="3000" dirty="0"/>
-              <a:t>Sobrecarga e sobre escrita de método</a:t>
+              <a:t> </a:t>
+            </a:r>
+            <a:r>
+              <a:rPr lang="pt-BR" sz="3000" dirty="0" smtClean="0"/>
+              <a:t>de </a:t>
+            </a:r>
+            <a:r>
+              <a:rPr lang="pt-BR" sz="3000" dirty="0"/>
+              <a:t>método</a:t>
             </a:r>
           </a:p>
           <a:p>
@@ -8237,7 +8307,7 @@
           <p:cNvPr id="5" name="Espaço Reservado para Conteúdo 2">
             <a:extLst>
               <a:ext uri="{FF2B5EF4-FFF2-40B4-BE49-F238E27FC236}">
-                <a16:creationId xmlns:a16="http://schemas.microsoft.com/office/drawing/2014/main" id="{45A8706A-8F09-43B7-9763-B33B89E197D3}"/>
+                <a16:creationId xmlns:a16="http://schemas.microsoft.com/office/drawing/2014/main" xmlns="" id="{45A8706A-8F09-43B7-9763-B33B89E197D3}"/>
               </a:ext>
             </a:extLst>
           </p:cNvPr>
@@ -8555,7 +8625,7 @@
           <p:cNvPr id="2" name="Título 1">
             <a:extLst>
               <a:ext uri="{FF2B5EF4-FFF2-40B4-BE49-F238E27FC236}">
-                <a16:creationId xmlns:a16="http://schemas.microsoft.com/office/drawing/2014/main" id="{FA9E81F2-F35F-4701-8F3C-E79202095F38}"/>
+                <a16:creationId xmlns:a16="http://schemas.microsoft.com/office/drawing/2014/main" xmlns="" id="{FA9E81F2-F35F-4701-8F3C-E79202095F38}"/>
               </a:ext>
             </a:extLst>
           </p:cNvPr>
@@ -8587,7 +8657,7 @@
           <p:cNvPr id="3" name="Espaço Reservado para Conteúdo 2">
             <a:extLst>
               <a:ext uri="{FF2B5EF4-FFF2-40B4-BE49-F238E27FC236}">
-                <a16:creationId xmlns:a16="http://schemas.microsoft.com/office/drawing/2014/main" id="{1867FF3C-FB7F-4CAA-8B3E-C94535C57D36}"/>
+                <a16:creationId xmlns:a16="http://schemas.microsoft.com/office/drawing/2014/main" xmlns="" id="{1867FF3C-FB7F-4CAA-8B3E-C94535C57D36}"/>
               </a:ext>
             </a:extLst>
           </p:cNvPr>
@@ -8637,7 +8707,7 @@
           <p:cNvPr id="5" name="Espaço Reservado para Conteúdo 2">
             <a:extLst>
               <a:ext uri="{FF2B5EF4-FFF2-40B4-BE49-F238E27FC236}">
-                <a16:creationId xmlns:a16="http://schemas.microsoft.com/office/drawing/2014/main" id="{45A8706A-8F09-43B7-9763-B33B89E197D3}"/>
+                <a16:creationId xmlns:a16="http://schemas.microsoft.com/office/drawing/2014/main" xmlns="" id="{45A8706A-8F09-43B7-9763-B33B89E197D3}"/>
               </a:ext>
             </a:extLst>
           </p:cNvPr>
@@ -8955,7 +9025,7 @@
           <p:cNvPr id="2" name="Título 1">
             <a:extLst>
               <a:ext uri="{FF2B5EF4-FFF2-40B4-BE49-F238E27FC236}">
-                <a16:creationId xmlns:a16="http://schemas.microsoft.com/office/drawing/2014/main" id="{FA9E81F2-F35F-4701-8F3C-E79202095F38}"/>
+                <a16:creationId xmlns:a16="http://schemas.microsoft.com/office/drawing/2014/main" xmlns="" id="{FA9E81F2-F35F-4701-8F3C-E79202095F38}"/>
               </a:ext>
             </a:extLst>
           </p:cNvPr>
@@ -8987,7 +9057,7 @@
           <p:cNvPr id="3" name="Espaço Reservado para Conteúdo 2">
             <a:extLst>
               <a:ext uri="{FF2B5EF4-FFF2-40B4-BE49-F238E27FC236}">
-                <a16:creationId xmlns:a16="http://schemas.microsoft.com/office/drawing/2014/main" id="{1867FF3C-FB7F-4CAA-8B3E-C94535C57D36}"/>
+                <a16:creationId xmlns:a16="http://schemas.microsoft.com/office/drawing/2014/main" xmlns="" id="{1867FF3C-FB7F-4CAA-8B3E-C94535C57D36}"/>
               </a:ext>
             </a:extLst>
           </p:cNvPr>
@@ -9031,8 +9101,8 @@
               <a:t>Definição corretas das camadas </a:t>
             </a:r>
             <a:r>
-              <a:rPr lang="pt-BR" sz="2600" dirty="0" err="1"/>
-              <a:t>backend</a:t>
+              <a:rPr lang="pt-BR" sz="2600" dirty="0" err="1" smtClean="0"/>
+              <a:t>back-end</a:t>
             </a:r>
             <a:endParaRPr lang="pt-BR" sz="2600" dirty="0"/>
           </a:p>
@@ -9043,16 +9113,28 @@
               <a:t>Integração entre </a:t>
             </a:r>
             <a:r>
-              <a:rPr lang="pt-BR" sz="2600" dirty="0" err="1"/>
-              <a:t>backend</a:t>
+              <a:rPr lang="pt-BR" sz="2600" dirty="0" err="1" smtClean="0"/>
+              <a:t>back-end</a:t>
+            </a:r>
+            <a:r>
+              <a:rPr lang="pt-BR" sz="2600" dirty="0" smtClean="0"/>
+              <a:t> </a:t>
             </a:r>
             <a:r>
               <a:rPr lang="pt-BR" sz="2600" dirty="0"/>
-              <a:t> e front </a:t>
-            </a:r>
-            <a:r>
-              <a:rPr lang="pt-BR" sz="2600" dirty="0" err="1"/>
+              <a:t>e </a:t>
+            </a:r>
+            <a:r>
+              <a:rPr lang="pt-BR" sz="2600" dirty="0" smtClean="0"/>
+              <a:t>front-</a:t>
+            </a:r>
+            <a:r>
+              <a:rPr lang="pt-BR" sz="2600" dirty="0" err="1" smtClean="0"/>
               <a:t>end</a:t>
+            </a:r>
+            <a:r>
+              <a:rPr lang="pt-BR" sz="2600" dirty="0" smtClean="0"/>
+              <a:t> web</a:t>
             </a:r>
             <a:endParaRPr lang="pt-BR" sz="2600" dirty="0"/>
           </a:p>
@@ -9063,7 +9145,7 @@
           <p:cNvPr id="5" name="Espaço Reservado para Conteúdo 2">
             <a:extLst>
               <a:ext uri="{FF2B5EF4-FFF2-40B4-BE49-F238E27FC236}">
-                <a16:creationId xmlns:a16="http://schemas.microsoft.com/office/drawing/2014/main" id="{45A8706A-8F09-43B7-9763-B33B89E197D3}"/>
+                <a16:creationId xmlns:a16="http://schemas.microsoft.com/office/drawing/2014/main" xmlns="" id="{45A8706A-8F09-43B7-9763-B33B89E197D3}"/>
               </a:ext>
             </a:extLst>
           </p:cNvPr>
@@ -9375,7 +9457,7 @@
           <p:cNvPr id="2" name="Título 1">
             <a:extLst>
               <a:ext uri="{FF2B5EF4-FFF2-40B4-BE49-F238E27FC236}">
-                <a16:creationId xmlns:a16="http://schemas.microsoft.com/office/drawing/2014/main" id="{FA9E81F2-F35F-4701-8F3C-E79202095F38}"/>
+                <a16:creationId xmlns:a16="http://schemas.microsoft.com/office/drawing/2014/main" xmlns="" id="{FA9E81F2-F35F-4701-8F3C-E79202095F38}"/>
               </a:ext>
             </a:extLst>
           </p:cNvPr>
@@ -9407,7 +9489,7 @@
           <p:cNvPr id="5" name="Espaço Reservado para Conteúdo 2">
             <a:extLst>
               <a:ext uri="{FF2B5EF4-FFF2-40B4-BE49-F238E27FC236}">
-                <a16:creationId xmlns:a16="http://schemas.microsoft.com/office/drawing/2014/main" id="{45A8706A-8F09-43B7-9763-B33B89E197D3}"/>
+                <a16:creationId xmlns:a16="http://schemas.microsoft.com/office/drawing/2014/main" xmlns="" id="{45A8706A-8F09-43B7-9763-B33B89E197D3}"/>
               </a:ext>
             </a:extLst>
           </p:cNvPr>
@@ -9660,24 +9742,32 @@
           <a:p>
             <a:pPr lvl="2"/>
             <a:r>
-              <a:rPr lang="pt-BR" sz="2800" dirty="0" err="1"/>
-              <a:t>Integramção</a:t>
+              <a:rPr lang="pt-BR" sz="2800" dirty="0" smtClean="0"/>
+              <a:t>Integração </a:t>
             </a:r>
             <a:r>
               <a:rPr lang="pt-BR" sz="2800" dirty="0"/>
-              <a:t> mobile </a:t>
-            </a:r>
-            <a:r>
-              <a:rPr lang="pt-BR" sz="2800" dirty="0" err="1"/>
-              <a:t>frontend</a:t>
+              <a:t>mobile </a:t>
+            </a:r>
+            <a:r>
+              <a:rPr lang="pt-BR" sz="2800" dirty="0" smtClean="0"/>
+              <a:t>front-</a:t>
+            </a:r>
+            <a:r>
+              <a:rPr lang="pt-BR" sz="2800" dirty="0" err="1" smtClean="0"/>
+              <a:t>end</a:t>
+            </a:r>
+            <a:r>
+              <a:rPr lang="pt-BR" sz="2800" dirty="0" smtClean="0"/>
+              <a:t> </a:t>
             </a:r>
             <a:r>
               <a:rPr lang="pt-BR" sz="2800" dirty="0"/>
-              <a:t> com </a:t>
-            </a:r>
-            <a:r>
-              <a:rPr lang="pt-BR" sz="2800" dirty="0" err="1"/>
-              <a:t>backend</a:t>
+              <a:t>com </a:t>
+            </a:r>
+            <a:r>
+              <a:rPr lang="pt-BR" sz="2800" dirty="0" err="1" smtClean="0"/>
+              <a:t>back-end</a:t>
             </a:r>
             <a:endParaRPr lang="pt-BR" sz="2800" dirty="0"/>
           </a:p>
@@ -9718,7 +9808,7 @@
           <p:cNvPr id="2" name="Título 1">
             <a:extLst>
               <a:ext uri="{FF2B5EF4-FFF2-40B4-BE49-F238E27FC236}">
-                <a16:creationId xmlns:a16="http://schemas.microsoft.com/office/drawing/2014/main" id="{F4856709-6F56-4CD4-9D57-EA39CCA4C679}"/>
+                <a16:creationId xmlns:a16="http://schemas.microsoft.com/office/drawing/2014/main" xmlns="" id="{F4856709-6F56-4CD4-9D57-EA39CCA4C679}"/>
               </a:ext>
             </a:extLst>
           </p:cNvPr>
@@ -9743,7 +9833,7 @@
           <p:cNvPr id="3" name="Espaço Reservado para Conteúdo 2">
             <a:extLst>
               <a:ext uri="{FF2B5EF4-FFF2-40B4-BE49-F238E27FC236}">
-                <a16:creationId xmlns:a16="http://schemas.microsoft.com/office/drawing/2014/main" id="{F8567DE6-2753-4708-9A73-EBC3FFD43F29}"/>
+                <a16:creationId xmlns:a16="http://schemas.microsoft.com/office/drawing/2014/main" xmlns="" id="{F8567DE6-2753-4708-9A73-EBC3FFD43F29}"/>
               </a:ext>
             </a:extLst>
           </p:cNvPr>
@@ -9768,7 +9858,7 @@
           <p:cNvPr id="2050" name="Picture 2" descr="Resultado de imagem para odontologia&quot;">
             <a:extLst>
               <a:ext uri="{FF2B5EF4-FFF2-40B4-BE49-F238E27FC236}">
-                <a16:creationId xmlns:a16="http://schemas.microsoft.com/office/drawing/2014/main" id="{336C65A2-6DD9-4228-A479-5B56E4CF2239}"/>
+                <a16:creationId xmlns:a16="http://schemas.microsoft.com/office/drawing/2014/main" xmlns="" id="{336C65A2-6DD9-4228-A479-5B56E4CF2239}"/>
               </a:ext>
             </a:extLst>
           </p:cNvPr>
@@ -9845,7 +9935,7 @@
           <p:cNvPr id="2" name="Título 1">
             <a:extLst>
               <a:ext uri="{FF2B5EF4-FFF2-40B4-BE49-F238E27FC236}">
-                <a16:creationId xmlns:a16="http://schemas.microsoft.com/office/drawing/2014/main" id="{E22FFB55-E8FF-481B-90D9-DD790A15B212}"/>
+                <a16:creationId xmlns:a16="http://schemas.microsoft.com/office/drawing/2014/main" xmlns="" id="{E22FFB55-E8FF-481B-90D9-DD790A15B212}"/>
               </a:ext>
             </a:extLst>
           </p:cNvPr>
@@ -9873,7 +9963,7 @@
           <p:cNvPr id="3" name="Espaço Reservado para Conteúdo 2">
             <a:extLst>
               <a:ext uri="{FF2B5EF4-FFF2-40B4-BE49-F238E27FC236}">
-                <a16:creationId xmlns:a16="http://schemas.microsoft.com/office/drawing/2014/main" id="{06B57E29-DF5E-4D1A-BADB-602F69242365}"/>
+                <a16:creationId xmlns:a16="http://schemas.microsoft.com/office/drawing/2014/main" xmlns="" id="{06B57E29-DF5E-4D1A-BADB-602F69242365}"/>
               </a:ext>
             </a:extLst>
           </p:cNvPr>
@@ -9897,30 +9987,110 @@
           <a:lstStyle/>
           <a:p>
             <a:r>
-              <a:rPr lang="pt-BR" sz="5900" dirty="0"/>
-              <a:t>Funcionalidade:</a:t>
-            </a:r>
+              <a:rPr lang="pt-BR" sz="5900" dirty="0" smtClean="0"/>
+              <a:t>Funcionalidades:</a:t>
+            </a:r>
+            <a:endParaRPr lang="pt-BR" sz="5900" dirty="0"/>
           </a:p>
           <a:p>
             <a:pPr lvl="1"/>
             <a:r>
+              <a:rPr lang="en-US" sz="5100" dirty="0"/>
+              <a:t> </a:t>
+            </a:r>
+            <a:r>
+              <a:rPr lang="en-US" sz="5100" dirty="0" err="1"/>
+              <a:t>Auxiliar</a:t>
+            </a:r>
+            <a:r>
+              <a:rPr lang="en-US" sz="5100" dirty="0"/>
+              <a:t> de </a:t>
+            </a:r>
+            <a:r>
+              <a:rPr lang="en-US" sz="5100" dirty="0" err="1"/>
+              <a:t>Saúde</a:t>
+            </a:r>
+            <a:r>
+              <a:rPr lang="en-US" sz="5100" dirty="0"/>
+              <a:t> </a:t>
+            </a:r>
+            <a:r>
+              <a:rPr lang="en-US" sz="5100" dirty="0" err="1"/>
+              <a:t>Bucal</a:t>
+            </a:r>
+            <a:r>
+              <a:rPr lang="en-US" sz="5100" dirty="0"/>
+              <a:t> </a:t>
+            </a:r>
+            <a:r>
               <a:rPr lang="pt-BR" sz="5100" dirty="0"/>
-              <a:t>Administrativo:</a:t>
-            </a:r>
+              <a:t>:</a:t>
+            </a:r>
+            <a:endParaRPr lang="pt-BR" sz="5100" dirty="0"/>
           </a:p>
           <a:p>
             <a:pPr lvl="2"/>
             <a:r>
               <a:rPr lang="pt-BR" sz="3800" dirty="0"/>
-              <a:t>Cadastrar paciente com os dados: nome completo, data de nascimento, sexo,  telefone</a:t>
-            </a:r>
+              <a:t>Cadastrar paciente com os dados: nome completo, data de nascimento, sexo,  </a:t>
+            </a:r>
+            <a:r>
+              <a:rPr lang="pt-BR" sz="3800" dirty="0" smtClean="0"/>
+              <a:t>telefone;</a:t>
+            </a:r>
+            <a:endParaRPr lang="pt-BR" sz="3800" dirty="0"/>
           </a:p>
           <a:p>
             <a:pPr lvl="2"/>
             <a:r>
               <a:rPr lang="pt-BR" sz="3800" dirty="0"/>
-              <a:t>Cadastro de consulta:  Data da consulta, Horário da consulta, Valor da Consulta, tipo de especialidade e Se foi ou não remarcada</a:t>
-            </a:r>
+              <a:t>Cadastro de consulta:  </a:t>
+            </a:r>
+            <a:r>
+              <a:rPr lang="pt-BR" sz="3800" dirty="0" smtClean="0"/>
+              <a:t>data </a:t>
+            </a:r>
+            <a:r>
+              <a:rPr lang="pt-BR" sz="3800" dirty="0"/>
+              <a:t>da consulta, </a:t>
+            </a:r>
+            <a:r>
+              <a:rPr lang="pt-BR" sz="3800" dirty="0" smtClean="0"/>
+              <a:t>horário </a:t>
+            </a:r>
+            <a:r>
+              <a:rPr lang="pt-BR" sz="3800" dirty="0"/>
+              <a:t>da consulta, </a:t>
+            </a:r>
+            <a:r>
+              <a:rPr lang="pt-BR" sz="3800" dirty="0" smtClean="0"/>
+              <a:t>valor </a:t>
+            </a:r>
+            <a:r>
+              <a:rPr lang="pt-BR" sz="3800" dirty="0"/>
+              <a:t>da </a:t>
+            </a:r>
+            <a:r>
+              <a:rPr lang="pt-BR" sz="3800" dirty="0" smtClean="0"/>
+              <a:t>consulta</a:t>
+            </a:r>
+            <a:r>
+              <a:rPr lang="pt-BR" sz="3800" dirty="0"/>
+              <a:t>, tipo de especialidade e </a:t>
+            </a:r>
+            <a:r>
+              <a:rPr lang="pt-BR" sz="3800" dirty="0" smtClean="0"/>
+              <a:t>se </a:t>
+            </a:r>
+            <a:r>
+              <a:rPr lang="pt-BR" sz="3800" dirty="0"/>
+              <a:t>foi ou não </a:t>
+            </a:r>
+            <a:r>
+              <a:rPr lang="pt-BR" sz="3800" dirty="0" smtClean="0"/>
+              <a:t>remarcada.</a:t>
+            </a:r>
+            <a:endParaRPr lang="pt-BR" sz="3800" dirty="0"/>
           </a:p>
           <a:p>
             <a:pPr lvl="1"/>
@@ -9937,36 +10107,73 @@
             </a:r>
             <a:r>
               <a:rPr lang="pt-BR" sz="3800" dirty="0"/>
-              <a:t> na aplicação</a:t>
-            </a:r>
+              <a:t> na </a:t>
+            </a:r>
+            <a:r>
+              <a:rPr lang="pt-BR" sz="3800" dirty="0" smtClean="0"/>
+              <a:t>aplicação;</a:t>
+            </a:r>
+            <a:endParaRPr lang="pt-BR" sz="3800" dirty="0"/>
           </a:p>
           <a:p>
             <a:pPr lvl="2"/>
             <a:r>
               <a:rPr lang="pt-BR" sz="3800" dirty="0"/>
-              <a:t>Consultar o horário de consultas passadas</a:t>
-            </a:r>
+              <a:t>Consultar o </a:t>
+            </a:r>
+            <a:r>
+              <a:rPr lang="pt-BR" sz="3800" dirty="0" smtClean="0"/>
+              <a:t>histórico</a:t>
+            </a:r>
+            <a:r>
+              <a:rPr lang="pt-BR" sz="3800" dirty="0" smtClean="0"/>
+              <a:t> </a:t>
+            </a:r>
+            <a:r>
+              <a:rPr lang="pt-BR" sz="3800" dirty="0"/>
+              <a:t>de consultas </a:t>
+            </a:r>
+            <a:r>
+              <a:rPr lang="pt-BR" sz="3800" dirty="0" smtClean="0"/>
+              <a:t>já realizadas;</a:t>
+            </a:r>
+            <a:endParaRPr lang="pt-BR" sz="3800" dirty="0"/>
           </a:p>
           <a:p>
             <a:pPr lvl="2"/>
             <a:r>
               <a:rPr lang="pt-BR" sz="3800" dirty="0"/>
-              <a:t>Consultar as ‘consultas’ futuras</a:t>
-            </a:r>
+              <a:t>Consultar as ‘consultas’ </a:t>
+            </a:r>
+            <a:r>
+              <a:rPr lang="pt-BR" sz="3800" dirty="0" smtClean="0"/>
+              <a:t>futuras;</a:t>
+            </a:r>
+            <a:endParaRPr lang="pt-BR" sz="3800" dirty="0"/>
           </a:p>
           <a:p>
             <a:pPr lvl="2"/>
             <a:r>
               <a:rPr lang="pt-BR" sz="3800" dirty="0"/>
-              <a:t>Visualizar seus dados</a:t>
-            </a:r>
+              <a:t>Visualizar seus </a:t>
+            </a:r>
+            <a:r>
+              <a:rPr lang="pt-BR" sz="3800" dirty="0" smtClean="0"/>
+              <a:t>dados;</a:t>
+            </a:r>
+            <a:endParaRPr lang="pt-BR" sz="3800" dirty="0"/>
           </a:p>
           <a:p>
             <a:pPr lvl="2"/>
             <a:r>
               <a:rPr lang="pt-BR" sz="3800" dirty="0"/>
-              <a:t>Verificar a soma total das consultas</a:t>
-            </a:r>
+              <a:t>Verificar a soma total das </a:t>
+            </a:r>
+            <a:r>
+              <a:rPr lang="pt-BR" sz="3800" dirty="0" smtClean="0"/>
+              <a:t>consultas;</a:t>
+            </a:r>
+            <a:endParaRPr lang="pt-BR" sz="3800" dirty="0"/>
           </a:p>
           <a:p>
             <a:pPr lvl="2"/>
@@ -10034,7 +10241,7 @@
           <p:cNvPr id="2" name="Título 1">
             <a:extLst>
               <a:ext uri="{FF2B5EF4-FFF2-40B4-BE49-F238E27FC236}">
-                <a16:creationId xmlns:a16="http://schemas.microsoft.com/office/drawing/2014/main" id="{EFAD387B-453F-45C7-9DF3-34053527848A}"/>
+                <a16:creationId xmlns:a16="http://schemas.microsoft.com/office/drawing/2014/main" xmlns="" id="{EFAD387B-453F-45C7-9DF3-34053527848A}"/>
               </a:ext>
             </a:extLst>
           </p:cNvPr>
@@ -10062,7 +10269,7 @@
           <p:cNvPr id="7" name="Tabela 6">
             <a:extLst>
               <a:ext uri="{FF2B5EF4-FFF2-40B4-BE49-F238E27FC236}">
-                <a16:creationId xmlns:a16="http://schemas.microsoft.com/office/drawing/2014/main" id="{ED4EADB4-A3EA-4263-840F-5811436F6281}"/>
+                <a16:creationId xmlns:a16="http://schemas.microsoft.com/office/drawing/2014/main" xmlns="" id="{ED4EADB4-A3EA-4263-840F-5811436F6281}"/>
               </a:ext>
             </a:extLst>
           </p:cNvPr>
@@ -10091,28 +10298,28 @@
                 <a:gridCol w="883789">
                   <a:extLst>
                     <a:ext uri="{9D8B030D-6E8A-4147-A177-3AD203B41FA5}">
-                      <a16:colId xmlns:a16="http://schemas.microsoft.com/office/drawing/2014/main" val="1013503557"/>
+                      <a16:colId xmlns:a16="http://schemas.microsoft.com/office/drawing/2014/main" xmlns="" val="1013503557"/>
                     </a:ext>
                   </a:extLst>
                 </a:gridCol>
                 <a:gridCol w="1532823">
                   <a:extLst>
                     <a:ext uri="{9D8B030D-6E8A-4147-A177-3AD203B41FA5}">
-                      <a16:colId xmlns:a16="http://schemas.microsoft.com/office/drawing/2014/main" val="3385354555"/>
+                      <a16:colId xmlns:a16="http://schemas.microsoft.com/office/drawing/2014/main" xmlns="" val="3385354555"/>
                     </a:ext>
                   </a:extLst>
                 </a:gridCol>
                 <a:gridCol w="883789">
                   <a:extLst>
                     <a:ext uri="{9D8B030D-6E8A-4147-A177-3AD203B41FA5}">
-                      <a16:colId xmlns:a16="http://schemas.microsoft.com/office/drawing/2014/main" val="2879023305"/>
+                      <a16:colId xmlns:a16="http://schemas.microsoft.com/office/drawing/2014/main" xmlns="" val="2879023305"/>
                     </a:ext>
                   </a:extLst>
                 </a:gridCol>
                 <a:gridCol w="883789">
                   <a:extLst>
                     <a:ext uri="{9D8B030D-6E8A-4147-A177-3AD203B41FA5}">
-                      <a16:colId xmlns:a16="http://schemas.microsoft.com/office/drawing/2014/main" val="931391789"/>
+                      <a16:colId xmlns:a16="http://schemas.microsoft.com/office/drawing/2014/main" xmlns="" val="931391789"/>
                     </a:ext>
                   </a:extLst>
                 </a:gridCol>
@@ -10212,7 +10419,7 @@
                 </a:tc>
                 <a:extLst>
                   <a:ext uri="{0D108BD9-81ED-4DB2-BD59-A6C34878D82A}">
-                    <a16:rowId xmlns:a16="http://schemas.microsoft.com/office/drawing/2014/main" val="3571133901"/>
+                    <a16:rowId xmlns:a16="http://schemas.microsoft.com/office/drawing/2014/main" xmlns="" val="3571133901"/>
                   </a:ext>
                 </a:extLst>
               </a:tr>
@@ -10311,7 +10518,7 @@
                 </a:tc>
                 <a:extLst>
                   <a:ext uri="{0D108BD9-81ED-4DB2-BD59-A6C34878D82A}">
-                    <a16:rowId xmlns:a16="http://schemas.microsoft.com/office/drawing/2014/main" val="665950242"/>
+                    <a16:rowId xmlns:a16="http://schemas.microsoft.com/office/drawing/2014/main" xmlns="" val="665950242"/>
                   </a:ext>
                 </a:extLst>
               </a:tr>
@@ -10410,7 +10617,7 @@
                 </a:tc>
                 <a:extLst>
                   <a:ext uri="{0D108BD9-81ED-4DB2-BD59-A6C34878D82A}">
-                    <a16:rowId xmlns:a16="http://schemas.microsoft.com/office/drawing/2014/main" val="2721557219"/>
+                    <a16:rowId xmlns:a16="http://schemas.microsoft.com/office/drawing/2014/main" xmlns="" val="2721557219"/>
                   </a:ext>
                 </a:extLst>
               </a:tr>
@@ -10509,7 +10716,7 @@
                 </a:tc>
                 <a:extLst>
                   <a:ext uri="{0D108BD9-81ED-4DB2-BD59-A6C34878D82A}">
-                    <a16:rowId xmlns:a16="http://schemas.microsoft.com/office/drawing/2014/main" val="521028366"/>
+                    <a16:rowId xmlns:a16="http://schemas.microsoft.com/office/drawing/2014/main" xmlns="" val="521028366"/>
                   </a:ext>
                 </a:extLst>
               </a:tr>
@@ -10608,7 +10815,7 @@
                 </a:tc>
                 <a:extLst>
                   <a:ext uri="{0D108BD9-81ED-4DB2-BD59-A6C34878D82A}">
-                    <a16:rowId xmlns:a16="http://schemas.microsoft.com/office/drawing/2014/main" val="3642387093"/>
+                    <a16:rowId xmlns:a16="http://schemas.microsoft.com/office/drawing/2014/main" xmlns="" val="3642387093"/>
                   </a:ext>
                 </a:extLst>
               </a:tr>
@@ -10707,7 +10914,7 @@
                 </a:tc>
                 <a:extLst>
                   <a:ext uri="{0D108BD9-81ED-4DB2-BD59-A6C34878D82A}">
-                    <a16:rowId xmlns:a16="http://schemas.microsoft.com/office/drawing/2014/main" val="2924554302"/>
+                    <a16:rowId xmlns:a16="http://schemas.microsoft.com/office/drawing/2014/main" xmlns="" val="2924554302"/>
                   </a:ext>
                 </a:extLst>
               </a:tr>
@@ -10806,7 +11013,7 @@
                 </a:tc>
                 <a:extLst>
                   <a:ext uri="{0D108BD9-81ED-4DB2-BD59-A6C34878D82A}">
-                    <a16:rowId xmlns:a16="http://schemas.microsoft.com/office/drawing/2014/main" val="1632379046"/>
+                    <a16:rowId xmlns:a16="http://schemas.microsoft.com/office/drawing/2014/main" xmlns="" val="1632379046"/>
                   </a:ext>
                 </a:extLst>
               </a:tr>
@@ -10819,7 +11026,7 @@
           <p:cNvPr id="8" name="Retângulo 7">
             <a:extLst>
               <a:ext uri="{FF2B5EF4-FFF2-40B4-BE49-F238E27FC236}">
-                <a16:creationId xmlns:a16="http://schemas.microsoft.com/office/drawing/2014/main" id="{26DE708A-29A1-42E6-B70A-EFE2601740CB}"/>
+                <a16:creationId xmlns:a16="http://schemas.microsoft.com/office/drawing/2014/main" xmlns="" id="{26DE708A-29A1-42E6-B70A-EFE2601740CB}"/>
               </a:ext>
             </a:extLst>
           </p:cNvPr>
@@ -10869,7 +11076,7 @@
           <p:cNvPr id="9" name="Retângulo 8">
             <a:extLst>
               <a:ext uri="{FF2B5EF4-FFF2-40B4-BE49-F238E27FC236}">
-                <a16:creationId xmlns:a16="http://schemas.microsoft.com/office/drawing/2014/main" id="{E941B243-2324-4401-BB89-0FB75C7C0CBC}"/>
+                <a16:creationId xmlns:a16="http://schemas.microsoft.com/office/drawing/2014/main" xmlns="" id="{E941B243-2324-4401-BB89-0FB75C7C0CBC}"/>
               </a:ext>
             </a:extLst>
           </p:cNvPr>
@@ -10919,7 +11126,7 @@
           <p:cNvPr id="10" name="Losango 9">
             <a:extLst>
               <a:ext uri="{FF2B5EF4-FFF2-40B4-BE49-F238E27FC236}">
-                <a16:creationId xmlns:a16="http://schemas.microsoft.com/office/drawing/2014/main" id="{4ADAC4CB-974E-4FF4-8DFE-01380707293D}"/>
+                <a16:creationId xmlns:a16="http://schemas.microsoft.com/office/drawing/2014/main" xmlns="" id="{4ADAC4CB-974E-4FF4-8DFE-01380707293D}"/>
               </a:ext>
             </a:extLst>
           </p:cNvPr>
@@ -10968,7 +11175,7 @@
           <p:cNvPr id="12" name="Conector reto 11">
             <a:extLst>
               <a:ext uri="{FF2B5EF4-FFF2-40B4-BE49-F238E27FC236}">
-                <a16:creationId xmlns:a16="http://schemas.microsoft.com/office/drawing/2014/main" id="{50D7ACE5-0CF5-4BA5-B248-9BB94B1D096B}"/>
+                <a16:creationId xmlns:a16="http://schemas.microsoft.com/office/drawing/2014/main" xmlns="" id="{50D7ACE5-0CF5-4BA5-B248-9BB94B1D096B}"/>
               </a:ext>
             </a:extLst>
           </p:cNvPr>
@@ -11007,7 +11214,7 @@
           <p:cNvPr id="14" name="Conector reto 13">
             <a:extLst>
               <a:ext uri="{FF2B5EF4-FFF2-40B4-BE49-F238E27FC236}">
-                <a16:creationId xmlns:a16="http://schemas.microsoft.com/office/drawing/2014/main" id="{3346E66D-757E-432D-8906-9DDFB5D2D58A}"/>
+                <a16:creationId xmlns:a16="http://schemas.microsoft.com/office/drawing/2014/main" xmlns="" id="{3346E66D-757E-432D-8906-9DDFB5D2D58A}"/>
               </a:ext>
             </a:extLst>
           </p:cNvPr>
@@ -11045,7 +11252,7 @@
           <p:cNvPr id="16" name="CaixaDeTexto 15">
             <a:extLst>
               <a:ext uri="{FF2B5EF4-FFF2-40B4-BE49-F238E27FC236}">
-                <a16:creationId xmlns:a16="http://schemas.microsoft.com/office/drawing/2014/main" id="{C195862E-9F21-49F9-9A96-92097E620CD6}"/>
+                <a16:creationId xmlns:a16="http://schemas.microsoft.com/office/drawing/2014/main" xmlns="" id="{C195862E-9F21-49F9-9A96-92097E620CD6}"/>
               </a:ext>
             </a:extLst>
           </p:cNvPr>
@@ -11080,7 +11287,7 @@
           <p:cNvPr id="17" name="CaixaDeTexto 16">
             <a:extLst>
               <a:ext uri="{FF2B5EF4-FFF2-40B4-BE49-F238E27FC236}">
-                <a16:creationId xmlns:a16="http://schemas.microsoft.com/office/drawing/2014/main" id="{B6E4324B-A44E-496D-A23E-75502A1AACD0}"/>
+                <a16:creationId xmlns:a16="http://schemas.microsoft.com/office/drawing/2014/main" xmlns="" id="{B6E4324B-A44E-496D-A23E-75502A1AACD0}"/>
               </a:ext>
             </a:extLst>
           </p:cNvPr>
@@ -11115,7 +11322,7 @@
           <p:cNvPr id="18" name="Tabela 17">
             <a:extLst>
               <a:ext uri="{FF2B5EF4-FFF2-40B4-BE49-F238E27FC236}">
-                <a16:creationId xmlns:a16="http://schemas.microsoft.com/office/drawing/2014/main" id="{18340160-4047-44FD-8430-8FD2F89B8BFA}"/>
+                <a16:creationId xmlns:a16="http://schemas.microsoft.com/office/drawing/2014/main" xmlns="" id="{18340160-4047-44FD-8430-8FD2F89B8BFA}"/>
               </a:ext>
             </a:extLst>
           </p:cNvPr>
@@ -11144,35 +11351,35 @@
                 <a:gridCol w="893071">
                   <a:extLst>
                     <a:ext uri="{9D8B030D-6E8A-4147-A177-3AD203B41FA5}">
-                      <a16:colId xmlns:a16="http://schemas.microsoft.com/office/drawing/2014/main" val="1896126437"/>
+                      <a16:colId xmlns:a16="http://schemas.microsoft.com/office/drawing/2014/main" xmlns="" val="1896126437"/>
                     </a:ext>
                   </a:extLst>
                 </a:gridCol>
                 <a:gridCol w="1981504">
                   <a:extLst>
                     <a:ext uri="{9D8B030D-6E8A-4147-A177-3AD203B41FA5}">
-                      <a16:colId xmlns:a16="http://schemas.microsoft.com/office/drawing/2014/main" val="3960883108"/>
+                      <a16:colId xmlns:a16="http://schemas.microsoft.com/office/drawing/2014/main" xmlns="" val="3960883108"/>
                     </a:ext>
                   </a:extLst>
                 </a:gridCol>
                 <a:gridCol w="1814053">
                   <a:extLst>
                     <a:ext uri="{9D8B030D-6E8A-4147-A177-3AD203B41FA5}">
-                      <a16:colId xmlns:a16="http://schemas.microsoft.com/office/drawing/2014/main" val="314117896"/>
+                      <a16:colId xmlns:a16="http://schemas.microsoft.com/office/drawing/2014/main" xmlns="" val="314117896"/>
                     </a:ext>
                   </a:extLst>
                 </a:gridCol>
                 <a:gridCol w="893071">
                   <a:extLst>
                     <a:ext uri="{9D8B030D-6E8A-4147-A177-3AD203B41FA5}">
-                      <a16:colId xmlns:a16="http://schemas.microsoft.com/office/drawing/2014/main" val="1401339215"/>
+                      <a16:colId xmlns:a16="http://schemas.microsoft.com/office/drawing/2014/main" xmlns="" val="1401339215"/>
                     </a:ext>
                   </a:extLst>
                 </a:gridCol>
                 <a:gridCol w="1172157">
                   <a:extLst>
                     <a:ext uri="{9D8B030D-6E8A-4147-A177-3AD203B41FA5}">
-                      <a16:colId xmlns:a16="http://schemas.microsoft.com/office/drawing/2014/main" val="3267535901"/>
+                      <a16:colId xmlns:a16="http://schemas.microsoft.com/office/drawing/2014/main" xmlns="" val="3267535901"/>
                     </a:ext>
                   </a:extLst>
                 </a:gridCol>
@@ -11250,7 +11457,7 @@
                 </a:tc>
                 <a:extLst>
                   <a:ext uri="{0D108BD9-81ED-4DB2-BD59-A6C34878D82A}">
-                    <a16:rowId xmlns:a16="http://schemas.microsoft.com/office/drawing/2014/main" val="4202007642"/>
+                    <a16:rowId xmlns:a16="http://schemas.microsoft.com/office/drawing/2014/main" xmlns="" val="4202007642"/>
                   </a:ext>
                 </a:extLst>
               </a:tr>
@@ -11372,7 +11579,7 @@
                 </a:tc>
                 <a:extLst>
                   <a:ext uri="{0D108BD9-81ED-4DB2-BD59-A6C34878D82A}">
-                    <a16:rowId xmlns:a16="http://schemas.microsoft.com/office/drawing/2014/main" val="3484799247"/>
+                    <a16:rowId xmlns:a16="http://schemas.microsoft.com/office/drawing/2014/main" xmlns="" val="3484799247"/>
                   </a:ext>
                 </a:extLst>
               </a:tr>
@@ -11494,7 +11701,7 @@
                 </a:tc>
                 <a:extLst>
                   <a:ext uri="{0D108BD9-81ED-4DB2-BD59-A6C34878D82A}">
-                    <a16:rowId xmlns:a16="http://schemas.microsoft.com/office/drawing/2014/main" val="1591283833"/>
+                    <a16:rowId xmlns:a16="http://schemas.microsoft.com/office/drawing/2014/main" xmlns="" val="1591283833"/>
                   </a:ext>
                 </a:extLst>
               </a:tr>
@@ -11616,7 +11823,7 @@
                 </a:tc>
                 <a:extLst>
                   <a:ext uri="{0D108BD9-81ED-4DB2-BD59-A6C34878D82A}">
-                    <a16:rowId xmlns:a16="http://schemas.microsoft.com/office/drawing/2014/main" val="1515204293"/>
+                    <a16:rowId xmlns:a16="http://schemas.microsoft.com/office/drawing/2014/main" xmlns="" val="1515204293"/>
                   </a:ext>
                 </a:extLst>
               </a:tr>
@@ -11738,7 +11945,7 @@
                 </a:tc>
                 <a:extLst>
                   <a:ext uri="{0D108BD9-81ED-4DB2-BD59-A6C34878D82A}">
-                    <a16:rowId xmlns:a16="http://schemas.microsoft.com/office/drawing/2014/main" val="3755601547"/>
+                    <a16:rowId xmlns:a16="http://schemas.microsoft.com/office/drawing/2014/main" xmlns="" val="3755601547"/>
                   </a:ext>
                 </a:extLst>
               </a:tr>
@@ -11781,7 +11988,7 @@
           <p:cNvPr id="2" name="Título 1">
             <a:extLst>
               <a:ext uri="{FF2B5EF4-FFF2-40B4-BE49-F238E27FC236}">
-                <a16:creationId xmlns:a16="http://schemas.microsoft.com/office/drawing/2014/main" id="{6943DD05-5135-41BA-876A-527328648C39}"/>
+                <a16:creationId xmlns:a16="http://schemas.microsoft.com/office/drawing/2014/main" xmlns="" id="{6943DD05-5135-41BA-876A-527328648C39}"/>
               </a:ext>
             </a:extLst>
           </p:cNvPr>
@@ -11809,7 +12016,7 @@
           <p:cNvPr id="3" name="Espaço Reservado para Conteúdo 2">
             <a:extLst>
               <a:ext uri="{FF2B5EF4-FFF2-40B4-BE49-F238E27FC236}">
-                <a16:creationId xmlns:a16="http://schemas.microsoft.com/office/drawing/2014/main" id="{57D2FF56-96A9-41DD-ACD1-824CE6195F7F}"/>
+                <a16:creationId xmlns:a16="http://schemas.microsoft.com/office/drawing/2014/main" xmlns="" id="{57D2FF56-96A9-41DD-ACD1-824CE6195F7F}"/>
               </a:ext>
             </a:extLst>
           </p:cNvPr>

--- a/classes/Projeto final.pptx
+++ b/classes/Projeto final.pptx
@@ -160,7 +160,7 @@
           <p:cNvPr id="5" name="Rectangle 4">
             <a:extLst>
               <a:ext uri="{FF2B5EF4-FFF2-40B4-BE49-F238E27FC236}">
-                <a16:creationId xmlns:a16="http://schemas.microsoft.com/office/drawing/2014/main" xmlns="" id="{904DB13E-F722-4ED6-BB00-556651E95281}"/>
+                <a16:creationId xmlns:a16="http://schemas.microsoft.com/office/drawing/2014/main" id="{904DB13E-F722-4ED6-BB00-556651E95281}"/>
               </a:ext>
             </a:extLst>
           </p:cNvPr>
@@ -309,7 +309,7 @@
           <p:cNvPr id="7" name="Group 6">
             <a:extLst>
               <a:ext uri="{FF2B5EF4-FFF2-40B4-BE49-F238E27FC236}">
-                <a16:creationId xmlns:a16="http://schemas.microsoft.com/office/drawing/2014/main" xmlns="" id="{E26428D7-C6F3-473D-A360-A3F5C3E8728C}"/>
+                <a16:creationId xmlns:a16="http://schemas.microsoft.com/office/drawing/2014/main" id="{E26428D7-C6F3-473D-A360-A3F5C3E8728C}"/>
               </a:ext>
             </a:extLst>
           </p:cNvPr>
@@ -1242,7 +1242,7 @@
           <p:cNvPr id="15" name="Rectangle 14">
             <a:extLst>
               <a:ext uri="{FF2B5EF4-FFF2-40B4-BE49-F238E27FC236}">
-                <a16:creationId xmlns:a16="http://schemas.microsoft.com/office/drawing/2014/main" xmlns="" id="{0A4A1889-E37C-4EC3-9E41-9DAD221CF389}"/>
+                <a16:creationId xmlns:a16="http://schemas.microsoft.com/office/drawing/2014/main" id="{0A4A1889-E37C-4EC3-9E41-9DAD221CF389}"/>
               </a:ext>
             </a:extLst>
           </p:cNvPr>
@@ -1439,7 +1439,7 @@
           <p:cNvPr id="16" name="Group 15">
             <a:extLst>
               <a:ext uri="{FF2B5EF4-FFF2-40B4-BE49-F238E27FC236}">
-                <a16:creationId xmlns:a16="http://schemas.microsoft.com/office/drawing/2014/main" xmlns="" id="{1683EB04-C23E-490C-A1A6-030CF79D23C8}"/>
+                <a16:creationId xmlns:a16="http://schemas.microsoft.com/office/drawing/2014/main" id="{1683EB04-C23E-490C-A1A6-030CF79D23C8}"/>
               </a:ext>
             </a:extLst>
           </p:cNvPr>
@@ -1459,7 +1459,7 @@
             <p:cNvPr id="17" name="Straight Connector 16">
               <a:extLst>
                 <a:ext uri="{FF2B5EF4-FFF2-40B4-BE49-F238E27FC236}">
-                  <a16:creationId xmlns:a16="http://schemas.microsoft.com/office/drawing/2014/main" xmlns="" id="{F8A84C03-E1CA-4A4E-81D6-9BB0C335B7A0}"/>
+                  <a16:creationId xmlns:a16="http://schemas.microsoft.com/office/drawing/2014/main" id="{F8A84C03-E1CA-4A4E-81D6-9BB0C335B7A0}"/>
                 </a:ext>
               </a:extLst>
             </p:cNvPr>
@@ -1507,7 +1507,7 @@
             <p:cNvPr id="18" name="Straight Connector 17">
               <a:extLst>
                 <a:ext uri="{FF2B5EF4-FFF2-40B4-BE49-F238E27FC236}">
-                  <a16:creationId xmlns:a16="http://schemas.microsoft.com/office/drawing/2014/main" xmlns="" id="{4A26FB5A-D5D1-4DAB-AC43-7F51A7F2D197}"/>
+                  <a16:creationId xmlns:a16="http://schemas.microsoft.com/office/drawing/2014/main" id="{4A26FB5A-D5D1-4DAB-AC43-7F51A7F2D197}"/>
                 </a:ext>
               </a:extLst>
             </p:cNvPr>
@@ -1555,7 +1555,7 @@
             <p:cNvPr id="19" name="Straight Connector 18">
               <a:extLst>
                 <a:ext uri="{FF2B5EF4-FFF2-40B4-BE49-F238E27FC236}">
-                  <a16:creationId xmlns:a16="http://schemas.microsoft.com/office/drawing/2014/main" xmlns="" id="{49303F14-E560-4C02-94F4-B4695FE26813}"/>
+                  <a16:creationId xmlns:a16="http://schemas.microsoft.com/office/drawing/2014/main" id="{49303F14-E560-4C02-94F4-B4695FE26813}"/>
                 </a:ext>
               </a:extLst>
             </p:cNvPr>
@@ -2809,7 +2809,7 @@
           <p:cNvPr id="10" name="Rectangle 9">
             <a:extLst>
               <a:ext uri="{FF2B5EF4-FFF2-40B4-BE49-F238E27FC236}">
-                <a16:creationId xmlns:a16="http://schemas.microsoft.com/office/drawing/2014/main" xmlns="" id="{D5E1BBF9-8BEF-4353-BA68-30AAF9EBD8D8}"/>
+                <a16:creationId xmlns:a16="http://schemas.microsoft.com/office/drawing/2014/main" id="{D5E1BBF9-8BEF-4353-BA68-30AAF9EBD8D8}"/>
               </a:ext>
             </a:extLst>
           </p:cNvPr>
@@ -2856,7 +2856,7 @@
           <p:cNvPr id="13" name="Rectangle 12">
             <a:extLst>
               <a:ext uri="{FF2B5EF4-FFF2-40B4-BE49-F238E27FC236}">
-                <a16:creationId xmlns:a16="http://schemas.microsoft.com/office/drawing/2014/main" xmlns="" id="{5B941C21-2A5D-4912-AB06-1BB0C0EB6AE1}"/>
+                <a16:creationId xmlns:a16="http://schemas.microsoft.com/office/drawing/2014/main" id="{5B941C21-2A5D-4912-AB06-1BB0C0EB6AE1}"/>
               </a:ext>
             </a:extLst>
           </p:cNvPr>
@@ -3251,7 +3251,7 @@
           <p:cNvPr id="11" name="Rectangle 10">
             <a:extLst>
               <a:ext uri="{FF2B5EF4-FFF2-40B4-BE49-F238E27FC236}">
-                <a16:creationId xmlns:a16="http://schemas.microsoft.com/office/drawing/2014/main" xmlns="" id="{E687CA98-D9C7-497F-A1DA-7D22F8753BCE}"/>
+                <a16:creationId xmlns:a16="http://schemas.microsoft.com/office/drawing/2014/main" id="{E687CA98-D9C7-497F-A1DA-7D22F8753BCE}"/>
               </a:ext>
             </a:extLst>
           </p:cNvPr>
@@ -3487,7 +3487,7 @@
           <p:cNvPr id="12" name="Rectangle 11">
             <a:extLst>
               <a:ext uri="{FF2B5EF4-FFF2-40B4-BE49-F238E27FC236}">
-                <a16:creationId xmlns:a16="http://schemas.microsoft.com/office/drawing/2014/main" xmlns="" id="{F8B3D8CC-BB13-41A5-8F34-B8E84A4F9534}"/>
+                <a16:creationId xmlns:a16="http://schemas.microsoft.com/office/drawing/2014/main" id="{F8B3D8CC-BB13-41A5-8F34-B8E84A4F9534}"/>
               </a:ext>
             </a:extLst>
           </p:cNvPr>
@@ -3689,7 +3689,7 @@
           <p:cNvPr id="9" name="Rectangle 8">
             <a:extLst>
               <a:ext uri="{FF2B5EF4-FFF2-40B4-BE49-F238E27FC236}">
-                <a16:creationId xmlns:a16="http://schemas.microsoft.com/office/drawing/2014/main" xmlns="" id="{1E94681D-2A4C-4A8D-B9B5-31D440D0328D}"/>
+                <a16:creationId xmlns:a16="http://schemas.microsoft.com/office/drawing/2014/main" id="{1E94681D-2A4C-4A8D-B9B5-31D440D0328D}"/>
               </a:ext>
             </a:extLst>
           </p:cNvPr>
@@ -4403,7 +4403,7 @@
           <p:cNvPr id="4" name="Picture 3">
             <a:extLst>
               <a:ext uri="{FF2B5EF4-FFF2-40B4-BE49-F238E27FC236}">
-                <a16:creationId xmlns:a16="http://schemas.microsoft.com/office/drawing/2014/main" xmlns="" id="{FF27F862-2CCD-42DE-ACE3-382DEEDE9A22}"/>
+                <a16:creationId xmlns:a16="http://schemas.microsoft.com/office/drawing/2014/main" id="{FF27F862-2CCD-42DE-ACE3-382DEEDE9A22}"/>
               </a:ext>
             </a:extLst>
           </p:cNvPr>
@@ -4432,10 +4432,10 @@
           <p:cNvPr id="9" name="Rectangle 8">
             <a:extLst>
               <a:ext uri="{FF2B5EF4-FFF2-40B4-BE49-F238E27FC236}">
-                <a16:creationId xmlns:a16="http://schemas.microsoft.com/office/drawing/2014/main" xmlns="" id="{2644B391-9BFE-445C-A9EC-F544BB85FBC7}"/>
+                <a16:creationId xmlns:a16="http://schemas.microsoft.com/office/drawing/2014/main" id="{2644B391-9BFE-445C-A9EC-F544BB85FBC7}"/>
               </a:ext>
               <a:ext uri="{C183D7F6-B498-43B3-948B-1728B52AA6E4}">
-                <adec:decorative xmlns:adec="http://schemas.microsoft.com/office/drawing/2017/decorative" xmlns="" val="1"/>
+                <adec:decorative xmlns:adec="http://schemas.microsoft.com/office/drawing/2017/decorative" val="1"/>
               </a:ext>
             </a:extLst>
           </p:cNvPr>
@@ -4445,7 +4445,7 @@
           <p:nvPr>
             <p:extLst>
               <p:ext uri="{386F3935-93C4-4BCD-93E2-E3B085C9AB24}">
-                <p16:designElem xmlns:p16="http://schemas.microsoft.com/office/powerpoint/2015/main" xmlns="" val="1"/>
+                <p16:designElem xmlns:p16="http://schemas.microsoft.com/office/powerpoint/2015/main" val="1"/>
               </p:ext>
             </p:extLst>
           </p:nvPr>
@@ -4477,10 +4477,10 @@
           <p:cNvPr id="11" name="Rectangle 10">
             <a:extLst>
               <a:ext uri="{FF2B5EF4-FFF2-40B4-BE49-F238E27FC236}">
-                <a16:creationId xmlns:a16="http://schemas.microsoft.com/office/drawing/2014/main" xmlns="" id="{80F26E69-87D9-4655-AE7B-280A87AA3CAD}"/>
+                <a16:creationId xmlns:a16="http://schemas.microsoft.com/office/drawing/2014/main" id="{80F26E69-87D9-4655-AE7B-280A87AA3CAD}"/>
               </a:ext>
               <a:ext uri="{C183D7F6-B498-43B3-948B-1728B52AA6E4}">
-                <adec:decorative xmlns:adec="http://schemas.microsoft.com/office/drawing/2017/decorative" xmlns="" val="1"/>
+                <adec:decorative xmlns:adec="http://schemas.microsoft.com/office/drawing/2017/decorative" val="1"/>
               </a:ext>
             </a:extLst>
           </p:cNvPr>
@@ -4490,7 +4490,7 @@
           <p:nvPr>
             <p:extLst>
               <p:ext uri="{386F3935-93C4-4BCD-93E2-E3B085C9AB24}">
-                <p16:designElem xmlns:p16="http://schemas.microsoft.com/office/powerpoint/2015/main" xmlns="" val="1"/>
+                <p16:designElem xmlns:p16="http://schemas.microsoft.com/office/powerpoint/2015/main" val="1"/>
               </p:ext>
             </p:extLst>
           </p:nvPr>
@@ -4521,7 +4521,7 @@
           <p:cNvPr id="2" name="Título 1">
             <a:extLst>
               <a:ext uri="{FF2B5EF4-FFF2-40B4-BE49-F238E27FC236}">
-                <a16:creationId xmlns:a16="http://schemas.microsoft.com/office/drawing/2014/main" xmlns="" id="{54E9A173-13AE-49FA-9A2B-2D52137CC154}"/>
+                <a16:creationId xmlns:a16="http://schemas.microsoft.com/office/drawing/2014/main" id="{54E9A173-13AE-49FA-9A2B-2D52137CC154}"/>
               </a:ext>
             </a:extLst>
           </p:cNvPr>
@@ -4560,7 +4560,7 @@
           <p:cNvPr id="3" name="Subtítulo 2">
             <a:extLst>
               <a:ext uri="{FF2B5EF4-FFF2-40B4-BE49-F238E27FC236}">
-                <a16:creationId xmlns:a16="http://schemas.microsoft.com/office/drawing/2014/main" xmlns="" id="{4117F65C-DAA7-4810-9D19-E945CBB7E7BA}"/>
+                <a16:creationId xmlns:a16="http://schemas.microsoft.com/office/drawing/2014/main" id="{4117F65C-DAA7-4810-9D19-E945CBB7E7BA}"/>
               </a:ext>
             </a:extLst>
           </p:cNvPr>
@@ -4629,7 +4629,7 @@
           <p:cNvPr id="2" name="Título 1">
             <a:extLst>
               <a:ext uri="{FF2B5EF4-FFF2-40B4-BE49-F238E27FC236}">
-                <a16:creationId xmlns:a16="http://schemas.microsoft.com/office/drawing/2014/main" xmlns="" id="{7CE2FC76-D030-46ED-B3A1-326D8A62DDCC}"/>
+                <a16:creationId xmlns:a16="http://schemas.microsoft.com/office/drawing/2014/main" id="{7CE2FC76-D030-46ED-B3A1-326D8A62DDCC}"/>
               </a:ext>
             </a:extLst>
           </p:cNvPr>
@@ -4657,7 +4657,7 @@
           <p:cNvPr id="3" name="Espaço Reservado para Conteúdo 2">
             <a:extLst>
               <a:ext uri="{FF2B5EF4-FFF2-40B4-BE49-F238E27FC236}">
-                <a16:creationId xmlns:a16="http://schemas.microsoft.com/office/drawing/2014/main" xmlns="" id="{597A98A9-C5A1-425B-ABF7-7D7902E97A1C}"/>
+                <a16:creationId xmlns:a16="http://schemas.microsoft.com/office/drawing/2014/main" id="{597A98A9-C5A1-425B-ABF7-7D7902E97A1C}"/>
               </a:ext>
             </a:extLst>
           </p:cNvPr>
@@ -4687,7 +4687,7 @@
             <a:pPr lvl="1"/>
             <a:r>
               <a:rPr lang="pt-BR" dirty="0"/>
-              <a:t>Gestor:</a:t>
+              <a:t>Gestor: </a:t>
             </a:r>
           </a:p>
           <a:p>
@@ -4712,21 +4712,16 @@
             </a:r>
             <a:r>
               <a:rPr lang="pt-BR" dirty="0"/>
-              <a:t> </a:t>
-            </a:r>
-            <a:r>
-              <a:rPr lang="pt-BR" dirty="0" smtClean="0"/>
-              <a:t>front-</a:t>
-            </a:r>
-            <a:r>
-              <a:rPr lang="pt-BR" dirty="0" err="1" smtClean="0"/>
+              <a:t> front-</a:t>
+            </a:r>
+            <a:r>
+              <a:rPr lang="pt-BR" dirty="0" err="1"/>
               <a:t>end</a:t>
             </a:r>
             <a:r>
-              <a:rPr lang="pt-BR" dirty="0" smtClean="0"/>
+              <a:rPr lang="pt-BR" dirty="0"/>
               <a:t>:</a:t>
             </a:r>
-            <a:endParaRPr lang="pt-BR" dirty="0"/>
           </a:p>
           <a:p>
             <a:pPr lvl="1"/>
@@ -4736,21 +4731,16 @@
             </a:r>
             <a:r>
               <a:rPr lang="pt-BR" dirty="0"/>
-              <a:t> </a:t>
-            </a:r>
-            <a:r>
-              <a:rPr lang="pt-BR" dirty="0" smtClean="0"/>
-              <a:t>Back-</a:t>
-            </a:r>
-            <a:r>
-              <a:rPr lang="pt-BR" dirty="0" err="1" smtClean="0"/>
+              <a:t> Back-</a:t>
+            </a:r>
+            <a:r>
+              <a:rPr lang="pt-BR" dirty="0" err="1"/>
               <a:t>end</a:t>
             </a:r>
             <a:r>
-              <a:rPr lang="pt-BR" dirty="0" smtClean="0"/>
+              <a:rPr lang="pt-BR" dirty="0"/>
               <a:t>:</a:t>
             </a:r>
-            <a:endParaRPr lang="pt-BR" dirty="0"/>
           </a:p>
           <a:p>
             <a:endParaRPr lang="pt-BR" dirty="0"/>
@@ -4765,7 +4755,7 @@
           <p:cNvPr id="5" name="Espaço Reservado para Conteúdo 2">
             <a:extLst>
               <a:ext uri="{FF2B5EF4-FFF2-40B4-BE49-F238E27FC236}">
-                <a16:creationId xmlns:a16="http://schemas.microsoft.com/office/drawing/2014/main" xmlns="" id="{88F22D5E-AE81-4FF7-9AA6-F55E0D53A92B}"/>
+                <a16:creationId xmlns:a16="http://schemas.microsoft.com/office/drawing/2014/main" id="{88F22D5E-AE81-4FF7-9AA6-F55E0D53A92B}"/>
               </a:ext>
             </a:extLst>
           </p:cNvPr>
@@ -5043,21 +5033,16 @@
             </a:r>
             <a:r>
               <a:rPr lang="pt-BR" dirty="0"/>
-              <a:t> </a:t>
-            </a:r>
-            <a:r>
-              <a:rPr lang="pt-BR" dirty="0" smtClean="0"/>
-              <a:t>front-</a:t>
-            </a:r>
-            <a:r>
-              <a:rPr lang="pt-BR" dirty="0" err="1" smtClean="0"/>
+              <a:t> front-</a:t>
+            </a:r>
+            <a:r>
+              <a:rPr lang="pt-BR" dirty="0" err="1"/>
               <a:t>end</a:t>
             </a:r>
             <a:r>
-              <a:rPr lang="pt-BR" dirty="0" smtClean="0"/>
+              <a:rPr lang="pt-BR" dirty="0"/>
               <a:t>:</a:t>
             </a:r>
-            <a:endParaRPr lang="pt-BR" dirty="0"/>
           </a:p>
           <a:p>
             <a:pPr lvl="1"/>
@@ -5067,21 +5052,16 @@
             </a:r>
             <a:r>
               <a:rPr lang="pt-BR" dirty="0"/>
-              <a:t> </a:t>
-            </a:r>
-            <a:r>
-              <a:rPr lang="pt-BR" dirty="0" smtClean="0"/>
-              <a:t>Back-</a:t>
-            </a:r>
-            <a:r>
-              <a:rPr lang="pt-BR" dirty="0" err="1" smtClean="0"/>
+              <a:t> Back-</a:t>
+            </a:r>
+            <a:r>
+              <a:rPr lang="pt-BR" dirty="0" err="1"/>
               <a:t>end</a:t>
             </a:r>
             <a:r>
-              <a:rPr lang="pt-BR" dirty="0" smtClean="0"/>
+              <a:rPr lang="pt-BR" dirty="0"/>
               <a:t>:</a:t>
             </a:r>
-            <a:endParaRPr lang="pt-BR" dirty="0"/>
           </a:p>
           <a:p>
             <a:endParaRPr lang="pt-BR" dirty="0"/>
@@ -5126,7 +5106,7 @@
           <p:cNvPr id="2" name="Título 1">
             <a:extLst>
               <a:ext uri="{FF2B5EF4-FFF2-40B4-BE49-F238E27FC236}">
-                <a16:creationId xmlns:a16="http://schemas.microsoft.com/office/drawing/2014/main" xmlns="" id="{D32AD092-7444-4DC3-B5A1-FA335C4F56EF}"/>
+                <a16:creationId xmlns:a16="http://schemas.microsoft.com/office/drawing/2014/main" id="{D32AD092-7444-4DC3-B5A1-FA335C4F56EF}"/>
               </a:ext>
             </a:extLst>
           </p:cNvPr>
@@ -5151,7 +5131,7 @@
           <p:cNvPr id="3" name="Espaço Reservado para Conteúdo 2">
             <a:extLst>
               <a:ext uri="{FF2B5EF4-FFF2-40B4-BE49-F238E27FC236}">
-                <a16:creationId xmlns:a16="http://schemas.microsoft.com/office/drawing/2014/main" xmlns="" id="{084754BD-EB4C-4545-A4CA-84009A97B243}"/>
+                <a16:creationId xmlns:a16="http://schemas.microsoft.com/office/drawing/2014/main" id="{084754BD-EB4C-4545-A4CA-84009A97B243}"/>
               </a:ext>
             </a:extLst>
           </p:cNvPr>
@@ -5247,7 +5227,7 @@
           <p:cNvPr id="2" name="Título 1">
             <a:extLst>
               <a:ext uri="{FF2B5EF4-FFF2-40B4-BE49-F238E27FC236}">
-                <a16:creationId xmlns:a16="http://schemas.microsoft.com/office/drawing/2014/main" xmlns="" id="{E22FFB55-E8FF-481B-90D9-DD790A15B212}"/>
+                <a16:creationId xmlns:a16="http://schemas.microsoft.com/office/drawing/2014/main" id="{E22FFB55-E8FF-481B-90D9-DD790A15B212}"/>
               </a:ext>
             </a:extLst>
           </p:cNvPr>
@@ -5275,7 +5255,7 @@
           <p:cNvPr id="3" name="Espaço Reservado para Conteúdo 2">
             <a:extLst>
               <a:ext uri="{FF2B5EF4-FFF2-40B4-BE49-F238E27FC236}">
-                <a16:creationId xmlns:a16="http://schemas.microsoft.com/office/drawing/2014/main" xmlns="" id="{06B57E29-DF5E-4D1A-BADB-602F69242365}"/>
+                <a16:creationId xmlns:a16="http://schemas.microsoft.com/office/drawing/2014/main" id="{06B57E29-DF5E-4D1A-BADB-602F69242365}"/>
               </a:ext>
             </a:extLst>
           </p:cNvPr>
@@ -5314,45 +5294,30 @@
             <a:pPr lvl="2"/>
             <a:r>
               <a:rPr lang="pt-BR" sz="3800" dirty="0"/>
-              <a:t>Cadastrar produto com os dados: nome, código, quantidade,  </a:t>
-            </a:r>
-            <a:r>
-              <a:rPr lang="pt-BR" sz="3800" dirty="0" smtClean="0"/>
-              <a:t>preço;</a:t>
-            </a:r>
-            <a:endParaRPr lang="pt-BR" sz="3800" dirty="0"/>
+              <a:t>Cadastrar produto com os dados: nome, código, quantidade,  preço;</a:t>
+            </a:r>
           </a:p>
           <a:p>
             <a:pPr lvl="2"/>
             <a:r>
               <a:rPr lang="pt-BR" sz="3800" dirty="0"/>
-              <a:t>Cadastro de gondola: rua, </a:t>
-            </a:r>
-            <a:r>
-              <a:rPr lang="pt-BR" sz="3800" dirty="0" smtClean="0"/>
-              <a:t>ordem, prateleira.</a:t>
-            </a:r>
-            <a:endParaRPr lang="pt-BR" sz="3800" dirty="0"/>
+              <a:t>Cadastro de gondola: rua, ordem, prateleira.</a:t>
+            </a:r>
           </a:p>
           <a:p>
             <a:pPr lvl="1"/>
             <a:r>
               <a:rPr lang="en-US" sz="5100" dirty="0" err="1"/>
-              <a:t>E</a:t>
-            </a:r>
-            <a:r>
-              <a:rPr lang="en-US" sz="5100" dirty="0" err="1" smtClean="0"/>
-              <a:t>stoquista</a:t>
-            </a:r>
-            <a:r>
-              <a:rPr lang="en-US" sz="2400" dirty="0" smtClean="0"/>
+              <a:t>Estoquista</a:t>
+            </a:r>
+            <a:r>
+              <a:rPr lang="en-US" sz="2400" dirty="0"/>
               <a:t> </a:t>
             </a:r>
             <a:r>
-              <a:rPr lang="pt-BR" sz="5100" dirty="0" smtClean="0"/>
+              <a:rPr lang="pt-BR" sz="5100" dirty="0"/>
               <a:t>:</a:t>
             </a:r>
-            <a:endParaRPr lang="pt-BR" sz="5100" dirty="0"/>
           </a:p>
           <a:p>
             <a:pPr lvl="2"/>
@@ -5362,69 +5327,36 @@
             </a:r>
             <a:r>
               <a:rPr lang="pt-BR" sz="3800" dirty="0"/>
-              <a:t> na aplicação </a:t>
-            </a:r>
-            <a:r>
-              <a:rPr lang="pt-BR" sz="3800" dirty="0" smtClean="0"/>
-              <a:t>com </a:t>
-            </a:r>
+              <a:t> na aplicação com sua matricula;</a:t>
+            </a:r>
+          </a:p>
+          <a:p>
+            <a:pPr lvl="2"/>
             <a:r>
               <a:rPr lang="pt-BR" sz="3800" dirty="0"/>
-              <a:t>sua </a:t>
-            </a:r>
-            <a:r>
-              <a:rPr lang="pt-BR" sz="3800" dirty="0" smtClean="0"/>
-              <a:t>matricula;</a:t>
-            </a:r>
-            <a:endParaRPr lang="pt-BR" sz="3800" dirty="0"/>
+              <a:t>Consultar todos os produtos;</a:t>
+            </a:r>
           </a:p>
           <a:p>
             <a:pPr lvl="2"/>
             <a:r>
               <a:rPr lang="pt-BR" sz="3800" dirty="0"/>
-              <a:t>Consultar todos os </a:t>
-            </a:r>
-            <a:r>
-              <a:rPr lang="pt-BR" sz="3800" dirty="0" smtClean="0"/>
-              <a:t>produtos;</a:t>
-            </a:r>
-            <a:endParaRPr lang="pt-BR" sz="3800" dirty="0"/>
+              <a:t>Consultar um produto por código;</a:t>
+            </a:r>
           </a:p>
           <a:p>
             <a:pPr lvl="2"/>
             <a:r>
               <a:rPr lang="pt-BR" sz="3800" dirty="0"/>
-              <a:t>Consultar um produto por </a:t>
-            </a:r>
-            <a:r>
-              <a:rPr lang="pt-BR" sz="3800" dirty="0" smtClean="0"/>
-              <a:t>código;</a:t>
-            </a:r>
-            <a:endParaRPr lang="pt-BR" sz="3800" dirty="0"/>
+              <a:t>Visualizar se um produto encontra-se indisponível;</a:t>
+            </a:r>
           </a:p>
           <a:p>
             <a:pPr lvl="2"/>
             <a:r>
               <a:rPr lang="pt-BR" sz="3800" dirty="0"/>
-              <a:t>Visualizar se um produto encontra-se </a:t>
-            </a:r>
-            <a:r>
-              <a:rPr lang="pt-BR" sz="3800" dirty="0" smtClean="0"/>
-              <a:t>indisponível;</a:t>
-            </a:r>
-            <a:endParaRPr lang="pt-BR" sz="3800" dirty="0"/>
-          </a:p>
-          <a:p>
-            <a:pPr lvl="2"/>
-            <a:r>
-              <a:rPr lang="pt-BR" sz="3800" dirty="0"/>
-              <a:t>Determinar a localização de um </a:t>
-            </a:r>
-            <a:r>
-              <a:rPr lang="pt-BR" sz="3800" dirty="0" smtClean="0"/>
-              <a:t>produto.</a:t>
-            </a:r>
-            <a:endParaRPr lang="pt-BR" sz="3800" dirty="0"/>
+              <a:t>Determinar a localização de um produto.</a:t>
+            </a:r>
           </a:p>
           <a:p>
             <a:pPr lvl="2"/>
@@ -5492,7 +5424,7 @@
           <p:cNvPr id="2" name="Título 1">
             <a:extLst>
               <a:ext uri="{FF2B5EF4-FFF2-40B4-BE49-F238E27FC236}">
-                <a16:creationId xmlns:a16="http://schemas.microsoft.com/office/drawing/2014/main" xmlns="" id="{EFAD387B-453F-45C7-9DF3-34053527848A}"/>
+                <a16:creationId xmlns:a16="http://schemas.microsoft.com/office/drawing/2014/main" id="{EFAD387B-453F-45C7-9DF3-34053527848A}"/>
               </a:ext>
             </a:extLst>
           </p:cNvPr>
@@ -5520,7 +5452,7 @@
           <p:cNvPr id="8" name="Retângulo 7">
             <a:extLst>
               <a:ext uri="{FF2B5EF4-FFF2-40B4-BE49-F238E27FC236}">
-                <a16:creationId xmlns:a16="http://schemas.microsoft.com/office/drawing/2014/main" xmlns="" id="{26DE708A-29A1-42E6-B70A-EFE2601740CB}"/>
+                <a16:creationId xmlns:a16="http://schemas.microsoft.com/office/drawing/2014/main" id="{26DE708A-29A1-42E6-B70A-EFE2601740CB}"/>
               </a:ext>
             </a:extLst>
           </p:cNvPr>
@@ -5570,7 +5502,7 @@
           <p:cNvPr id="9" name="Retângulo 8">
             <a:extLst>
               <a:ext uri="{FF2B5EF4-FFF2-40B4-BE49-F238E27FC236}">
-                <a16:creationId xmlns:a16="http://schemas.microsoft.com/office/drawing/2014/main" xmlns="" id="{E941B243-2324-4401-BB89-0FB75C7C0CBC}"/>
+                <a16:creationId xmlns:a16="http://schemas.microsoft.com/office/drawing/2014/main" id="{E941B243-2324-4401-BB89-0FB75C7C0CBC}"/>
               </a:ext>
             </a:extLst>
           </p:cNvPr>
@@ -5620,7 +5552,7 @@
           <p:cNvPr id="10" name="Losango 9">
             <a:extLst>
               <a:ext uri="{FF2B5EF4-FFF2-40B4-BE49-F238E27FC236}">
-                <a16:creationId xmlns:a16="http://schemas.microsoft.com/office/drawing/2014/main" xmlns="" id="{4ADAC4CB-974E-4FF4-8DFE-01380707293D}"/>
+                <a16:creationId xmlns:a16="http://schemas.microsoft.com/office/drawing/2014/main" id="{4ADAC4CB-974E-4FF4-8DFE-01380707293D}"/>
               </a:ext>
             </a:extLst>
           </p:cNvPr>
@@ -5669,7 +5601,7 @@
           <p:cNvPr id="12" name="Conector reto 11">
             <a:extLst>
               <a:ext uri="{FF2B5EF4-FFF2-40B4-BE49-F238E27FC236}">
-                <a16:creationId xmlns:a16="http://schemas.microsoft.com/office/drawing/2014/main" xmlns="" id="{50D7ACE5-0CF5-4BA5-B248-9BB94B1D096B}"/>
+                <a16:creationId xmlns:a16="http://schemas.microsoft.com/office/drawing/2014/main" id="{50D7ACE5-0CF5-4BA5-B248-9BB94B1D096B}"/>
               </a:ext>
             </a:extLst>
           </p:cNvPr>
@@ -5709,7 +5641,7 @@
           <p:cNvPr id="14" name="Conector reto 13">
             <a:extLst>
               <a:ext uri="{FF2B5EF4-FFF2-40B4-BE49-F238E27FC236}">
-                <a16:creationId xmlns:a16="http://schemas.microsoft.com/office/drawing/2014/main" xmlns="" id="{3346E66D-757E-432D-8906-9DDFB5D2D58A}"/>
+                <a16:creationId xmlns:a16="http://schemas.microsoft.com/office/drawing/2014/main" id="{3346E66D-757E-432D-8906-9DDFB5D2D58A}"/>
               </a:ext>
             </a:extLst>
           </p:cNvPr>
@@ -5748,7 +5680,7 @@
           <p:cNvPr id="16" name="CaixaDeTexto 15">
             <a:extLst>
               <a:ext uri="{FF2B5EF4-FFF2-40B4-BE49-F238E27FC236}">
-                <a16:creationId xmlns:a16="http://schemas.microsoft.com/office/drawing/2014/main" xmlns="" id="{C195862E-9F21-49F9-9A96-92097E620CD6}"/>
+                <a16:creationId xmlns:a16="http://schemas.microsoft.com/office/drawing/2014/main" id="{C195862E-9F21-49F9-9A96-92097E620CD6}"/>
               </a:ext>
             </a:extLst>
           </p:cNvPr>
@@ -5783,7 +5715,7 @@
           <p:cNvPr id="17" name="CaixaDeTexto 16">
             <a:extLst>
               <a:ext uri="{FF2B5EF4-FFF2-40B4-BE49-F238E27FC236}">
-                <a16:creationId xmlns:a16="http://schemas.microsoft.com/office/drawing/2014/main" xmlns="" id="{B6E4324B-A44E-496D-A23E-75502A1AACD0}"/>
+                <a16:creationId xmlns:a16="http://schemas.microsoft.com/office/drawing/2014/main" id="{B6E4324B-A44E-496D-A23E-75502A1AACD0}"/>
               </a:ext>
             </a:extLst>
           </p:cNvPr>
@@ -5818,7 +5750,7 @@
           <p:cNvPr id="20" name="Tabela 19">
             <a:extLst>
               <a:ext uri="{FF2B5EF4-FFF2-40B4-BE49-F238E27FC236}">
-                <a16:creationId xmlns:a16="http://schemas.microsoft.com/office/drawing/2014/main" xmlns="" id="{9FA7B173-36F9-49B2-8714-00F3EB19C383}"/>
+                <a16:creationId xmlns:a16="http://schemas.microsoft.com/office/drawing/2014/main" id="{9FA7B173-36F9-49B2-8714-00F3EB19C383}"/>
               </a:ext>
             </a:extLst>
           </p:cNvPr>
@@ -5847,28 +5779,28 @@
                 <a:gridCol w="971990">
                   <a:extLst>
                     <a:ext uri="{9D8B030D-6E8A-4147-A177-3AD203B41FA5}">
-                      <a16:colId xmlns:a16="http://schemas.microsoft.com/office/drawing/2014/main" xmlns="" val="138766913"/>
+                      <a16:colId xmlns:a16="http://schemas.microsoft.com/office/drawing/2014/main" val="138766913"/>
                     </a:ext>
                   </a:extLst>
                 </a:gridCol>
                 <a:gridCol w="2156603">
                   <a:extLst>
                     <a:ext uri="{9D8B030D-6E8A-4147-A177-3AD203B41FA5}">
-                      <a16:colId xmlns:a16="http://schemas.microsoft.com/office/drawing/2014/main" xmlns="" val="3022716973"/>
+                      <a16:colId xmlns:a16="http://schemas.microsoft.com/office/drawing/2014/main" val="3022716973"/>
                     </a:ext>
                   </a:extLst>
                 </a:gridCol>
                 <a:gridCol w="1974355">
                   <a:extLst>
                     <a:ext uri="{9D8B030D-6E8A-4147-A177-3AD203B41FA5}">
-                      <a16:colId xmlns:a16="http://schemas.microsoft.com/office/drawing/2014/main" xmlns="" val="3946133842"/>
+                      <a16:colId xmlns:a16="http://schemas.microsoft.com/office/drawing/2014/main" val="3946133842"/>
                     </a:ext>
                   </a:extLst>
                 </a:gridCol>
                 <a:gridCol w="1032740">
                   <a:extLst>
                     <a:ext uri="{9D8B030D-6E8A-4147-A177-3AD203B41FA5}">
-                      <a16:colId xmlns:a16="http://schemas.microsoft.com/office/drawing/2014/main" xmlns="" val="3454379710"/>
+                      <a16:colId xmlns:a16="http://schemas.microsoft.com/office/drawing/2014/main" val="3454379710"/>
                     </a:ext>
                   </a:extLst>
                 </a:gridCol>
@@ -5929,7 +5861,7 @@
                 </a:tc>
                 <a:extLst>
                   <a:ext uri="{0D108BD9-81ED-4DB2-BD59-A6C34878D82A}">
-                    <a16:rowId xmlns:a16="http://schemas.microsoft.com/office/drawing/2014/main" xmlns="" val="3500846512"/>
+                    <a16:rowId xmlns:a16="http://schemas.microsoft.com/office/drawing/2014/main" val="3500846512"/>
                   </a:ext>
                 </a:extLst>
               </a:tr>
@@ -6028,7 +5960,7 @@
                 </a:tc>
                 <a:extLst>
                   <a:ext uri="{0D108BD9-81ED-4DB2-BD59-A6C34878D82A}">
-                    <a16:rowId xmlns:a16="http://schemas.microsoft.com/office/drawing/2014/main" xmlns="" val="1782808013"/>
+                    <a16:rowId xmlns:a16="http://schemas.microsoft.com/office/drawing/2014/main" val="1782808013"/>
                   </a:ext>
                 </a:extLst>
               </a:tr>
@@ -6127,7 +6059,7 @@
                 </a:tc>
                 <a:extLst>
                   <a:ext uri="{0D108BD9-81ED-4DB2-BD59-A6C34878D82A}">
-                    <a16:rowId xmlns:a16="http://schemas.microsoft.com/office/drawing/2014/main" xmlns="" val="1180833093"/>
+                    <a16:rowId xmlns:a16="http://schemas.microsoft.com/office/drawing/2014/main" val="1180833093"/>
                   </a:ext>
                 </a:extLst>
               </a:tr>
@@ -6226,7 +6158,7 @@
                 </a:tc>
                 <a:extLst>
                   <a:ext uri="{0D108BD9-81ED-4DB2-BD59-A6C34878D82A}">
-                    <a16:rowId xmlns:a16="http://schemas.microsoft.com/office/drawing/2014/main" xmlns="" val="359422294"/>
+                    <a16:rowId xmlns:a16="http://schemas.microsoft.com/office/drawing/2014/main" val="359422294"/>
                   </a:ext>
                 </a:extLst>
               </a:tr>
@@ -6325,7 +6257,7 @@
                 </a:tc>
                 <a:extLst>
                   <a:ext uri="{0D108BD9-81ED-4DB2-BD59-A6C34878D82A}">
-                    <a16:rowId xmlns:a16="http://schemas.microsoft.com/office/drawing/2014/main" xmlns="" val="1783596419"/>
+                    <a16:rowId xmlns:a16="http://schemas.microsoft.com/office/drawing/2014/main" val="1783596419"/>
                   </a:ext>
                 </a:extLst>
               </a:tr>
@@ -6338,7 +6270,7 @@
           <p:cNvPr id="21" name="Tabela 20">
             <a:extLst>
               <a:ext uri="{FF2B5EF4-FFF2-40B4-BE49-F238E27FC236}">
-                <a16:creationId xmlns:a16="http://schemas.microsoft.com/office/drawing/2014/main" xmlns="" id="{CDFF9BD4-C8F0-496D-BA92-12855E8A9726}"/>
+                <a16:creationId xmlns:a16="http://schemas.microsoft.com/office/drawing/2014/main" id="{CDFF9BD4-C8F0-496D-BA92-12855E8A9726}"/>
               </a:ext>
             </a:extLst>
           </p:cNvPr>
@@ -6367,42 +6299,42 @@
                 <a:gridCol w="1052303">
                   <a:extLst>
                     <a:ext uri="{9D8B030D-6E8A-4147-A177-3AD203B41FA5}">
-                      <a16:colId xmlns:a16="http://schemas.microsoft.com/office/drawing/2014/main" xmlns="" val="1789941621"/>
+                      <a16:colId xmlns:a16="http://schemas.microsoft.com/office/drawing/2014/main" val="1789941621"/>
                     </a:ext>
                   </a:extLst>
                 </a:gridCol>
                 <a:gridCol w="1052303">
                   <a:extLst>
                     <a:ext uri="{9D8B030D-6E8A-4147-A177-3AD203B41FA5}">
-                      <a16:colId xmlns:a16="http://schemas.microsoft.com/office/drawing/2014/main" xmlns="" val="2261572639"/>
+                      <a16:colId xmlns:a16="http://schemas.microsoft.com/office/drawing/2014/main" val="2261572639"/>
                     </a:ext>
                   </a:extLst>
                 </a:gridCol>
                 <a:gridCol w="1825086">
                   <a:extLst>
                     <a:ext uri="{9D8B030D-6E8A-4147-A177-3AD203B41FA5}">
-                      <a16:colId xmlns:a16="http://schemas.microsoft.com/office/drawing/2014/main" xmlns="" val="1264787048"/>
+                      <a16:colId xmlns:a16="http://schemas.microsoft.com/office/drawing/2014/main" val="1264787048"/>
                     </a:ext>
                   </a:extLst>
                 </a:gridCol>
                 <a:gridCol w="1052303">
                   <a:extLst>
                     <a:ext uri="{9D8B030D-6E8A-4147-A177-3AD203B41FA5}">
-                      <a16:colId xmlns:a16="http://schemas.microsoft.com/office/drawing/2014/main" xmlns="" val="1328914337"/>
+                      <a16:colId xmlns:a16="http://schemas.microsoft.com/office/drawing/2014/main" val="1328914337"/>
                     </a:ext>
                   </a:extLst>
                 </a:gridCol>
                 <a:gridCol w="1052303">
                   <a:extLst>
                     <a:ext uri="{9D8B030D-6E8A-4147-A177-3AD203B41FA5}">
-                      <a16:colId xmlns:a16="http://schemas.microsoft.com/office/drawing/2014/main" xmlns="" val="670077862"/>
+                      <a16:colId xmlns:a16="http://schemas.microsoft.com/office/drawing/2014/main" val="670077862"/>
                     </a:ext>
                   </a:extLst>
                 </a:gridCol>
                 <a:gridCol w="1052303">
                   <a:extLst>
                     <a:ext uri="{9D8B030D-6E8A-4147-A177-3AD203B41FA5}">
-                      <a16:colId xmlns:a16="http://schemas.microsoft.com/office/drawing/2014/main" xmlns="" val="2277335385"/>
+                      <a16:colId xmlns:a16="http://schemas.microsoft.com/office/drawing/2014/main" val="2277335385"/>
                     </a:ext>
                   </a:extLst>
                 </a:gridCol>
@@ -6483,7 +6415,7 @@
                 </a:tc>
                 <a:extLst>
                   <a:ext uri="{0D108BD9-81ED-4DB2-BD59-A6C34878D82A}">
-                    <a16:rowId xmlns:a16="http://schemas.microsoft.com/office/drawing/2014/main" xmlns="" val="1214496662"/>
+                    <a16:rowId xmlns:a16="http://schemas.microsoft.com/office/drawing/2014/main" val="1214496662"/>
                   </a:ext>
                 </a:extLst>
               </a:tr>
@@ -6628,7 +6560,7 @@
                 </a:tc>
                 <a:extLst>
                   <a:ext uri="{0D108BD9-81ED-4DB2-BD59-A6C34878D82A}">
-                    <a16:rowId xmlns:a16="http://schemas.microsoft.com/office/drawing/2014/main" xmlns="" val="1275160452"/>
+                    <a16:rowId xmlns:a16="http://schemas.microsoft.com/office/drawing/2014/main" val="1275160452"/>
                   </a:ext>
                 </a:extLst>
               </a:tr>
@@ -6773,7 +6705,7 @@
                 </a:tc>
                 <a:extLst>
                   <a:ext uri="{0D108BD9-81ED-4DB2-BD59-A6C34878D82A}">
-                    <a16:rowId xmlns:a16="http://schemas.microsoft.com/office/drawing/2014/main" xmlns="" val="1991314659"/>
+                    <a16:rowId xmlns:a16="http://schemas.microsoft.com/office/drawing/2014/main" val="1991314659"/>
                   </a:ext>
                 </a:extLst>
               </a:tr>
@@ -6918,7 +6850,7 @@
                 </a:tc>
                 <a:extLst>
                   <a:ext uri="{0D108BD9-81ED-4DB2-BD59-A6C34878D82A}">
-                    <a16:rowId xmlns:a16="http://schemas.microsoft.com/office/drawing/2014/main" xmlns="" val="70407098"/>
+                    <a16:rowId xmlns:a16="http://schemas.microsoft.com/office/drawing/2014/main" val="70407098"/>
                   </a:ext>
                 </a:extLst>
               </a:tr>
@@ -7063,7 +6995,7 @@
                 </a:tc>
                 <a:extLst>
                   <a:ext uri="{0D108BD9-81ED-4DB2-BD59-A6C34878D82A}">
-                    <a16:rowId xmlns:a16="http://schemas.microsoft.com/office/drawing/2014/main" xmlns="" val="2133947051"/>
+                    <a16:rowId xmlns:a16="http://schemas.microsoft.com/office/drawing/2014/main" val="2133947051"/>
                   </a:ext>
                 </a:extLst>
               </a:tr>
@@ -7208,7 +7140,7 @@
                 </a:tc>
                 <a:extLst>
                   <a:ext uri="{0D108BD9-81ED-4DB2-BD59-A6C34878D82A}">
-                    <a16:rowId xmlns:a16="http://schemas.microsoft.com/office/drawing/2014/main" xmlns="" val="3205666225"/>
+                    <a16:rowId xmlns:a16="http://schemas.microsoft.com/office/drawing/2014/main" val="3205666225"/>
                   </a:ext>
                 </a:extLst>
               </a:tr>
@@ -7353,7 +7285,7 @@
                 </a:tc>
                 <a:extLst>
                   <a:ext uri="{0D108BD9-81ED-4DB2-BD59-A6C34878D82A}">
-                    <a16:rowId xmlns:a16="http://schemas.microsoft.com/office/drawing/2014/main" xmlns="" val="3485645445"/>
+                    <a16:rowId xmlns:a16="http://schemas.microsoft.com/office/drawing/2014/main" val="3485645445"/>
                   </a:ext>
                 </a:extLst>
               </a:tr>
@@ -7396,7 +7328,7 @@
           <p:cNvPr id="2" name="Título 1">
             <a:extLst>
               <a:ext uri="{FF2B5EF4-FFF2-40B4-BE49-F238E27FC236}">
-                <a16:creationId xmlns:a16="http://schemas.microsoft.com/office/drawing/2014/main" xmlns="" id="{6943DD05-5135-41BA-876A-527328648C39}"/>
+                <a16:creationId xmlns:a16="http://schemas.microsoft.com/office/drawing/2014/main" id="{6943DD05-5135-41BA-876A-527328648C39}"/>
               </a:ext>
             </a:extLst>
           </p:cNvPr>
@@ -7424,7 +7356,7 @@
           <p:cNvPr id="3" name="Espaço Reservado para Conteúdo 2">
             <a:extLst>
               <a:ext uri="{FF2B5EF4-FFF2-40B4-BE49-F238E27FC236}">
-                <a16:creationId xmlns:a16="http://schemas.microsoft.com/office/drawing/2014/main" xmlns="" id="{57D2FF56-96A9-41DD-ACD1-824CE6195F7F}"/>
+                <a16:creationId xmlns:a16="http://schemas.microsoft.com/office/drawing/2014/main" id="{57D2FF56-96A9-41DD-ACD1-824CE6195F7F}"/>
               </a:ext>
             </a:extLst>
           </p:cNvPr>
@@ -7538,21 +7470,8 @@
             </a:r>
             <a:r>
               <a:rPr lang="pt-BR" dirty="0"/>
-              <a:t> -&gt; Obter todos os produtos, podendo ou não </a:t>
-            </a:r>
-            <a:r>
-              <a:rPr lang="pt-BR" dirty="0" smtClean="0"/>
-              <a:t>filtrar </a:t>
-            </a:r>
-            <a:r>
-              <a:rPr lang="pt-BR" dirty="0"/>
-              <a:t>por disponíveis e </a:t>
-            </a:r>
-            <a:r>
-              <a:rPr lang="pt-BR" dirty="0" smtClean="0"/>
-              <a:t>indisponíveis</a:t>
-            </a:r>
-            <a:endParaRPr lang="pt-BR" dirty="0"/>
+              <a:t> -&gt; Obter todos os produtos, podendo ou não filtrar por disponíveis e indisponíveis</a:t>
+            </a:r>
           </a:p>
           <a:p>
             <a:r>
@@ -7682,7 +7601,7 @@
           <p:cNvPr id="2" name="Título 1">
             <a:extLst>
               <a:ext uri="{FF2B5EF4-FFF2-40B4-BE49-F238E27FC236}">
-                <a16:creationId xmlns:a16="http://schemas.microsoft.com/office/drawing/2014/main" xmlns="" id="{7CE2FC76-D030-46ED-B3A1-326D8A62DDCC}"/>
+                <a16:creationId xmlns:a16="http://schemas.microsoft.com/office/drawing/2014/main" id="{7CE2FC76-D030-46ED-B3A1-326D8A62DDCC}"/>
               </a:ext>
             </a:extLst>
           </p:cNvPr>
@@ -7710,7 +7629,7 @@
           <p:cNvPr id="3" name="Espaço Reservado para Conteúdo 2">
             <a:extLst>
               <a:ext uri="{FF2B5EF4-FFF2-40B4-BE49-F238E27FC236}">
-                <a16:creationId xmlns:a16="http://schemas.microsoft.com/office/drawing/2014/main" xmlns="" id="{597A98A9-C5A1-425B-ABF7-7D7902E97A1C}"/>
+                <a16:creationId xmlns:a16="http://schemas.microsoft.com/office/drawing/2014/main" id="{597A98A9-C5A1-425B-ABF7-7D7902E97A1C}"/>
               </a:ext>
             </a:extLst>
           </p:cNvPr>
@@ -7765,21 +7684,16 @@
             </a:r>
             <a:r>
               <a:rPr lang="pt-BR" dirty="0"/>
-              <a:t> </a:t>
-            </a:r>
-            <a:r>
-              <a:rPr lang="pt-BR" dirty="0" smtClean="0"/>
-              <a:t>front-</a:t>
-            </a:r>
-            <a:r>
-              <a:rPr lang="pt-BR" dirty="0" err="1" smtClean="0"/>
+              <a:t> front-</a:t>
+            </a:r>
+            <a:r>
+              <a:rPr lang="pt-BR" dirty="0" err="1"/>
               <a:t>end</a:t>
             </a:r>
             <a:r>
-              <a:rPr lang="pt-BR" dirty="0" smtClean="0"/>
+              <a:rPr lang="pt-BR" dirty="0"/>
               <a:t>:</a:t>
             </a:r>
-            <a:endParaRPr lang="pt-BR" dirty="0"/>
           </a:p>
           <a:p>
             <a:pPr lvl="1"/>
@@ -7789,21 +7703,16 @@
             </a:r>
             <a:r>
               <a:rPr lang="pt-BR" dirty="0"/>
-              <a:t> </a:t>
-            </a:r>
-            <a:r>
-              <a:rPr lang="pt-BR" dirty="0" smtClean="0"/>
-              <a:t>Back-</a:t>
-            </a:r>
-            <a:r>
-              <a:rPr lang="pt-BR" dirty="0" err="1" smtClean="0"/>
+              <a:t> Back-</a:t>
+            </a:r>
+            <a:r>
+              <a:rPr lang="pt-BR" dirty="0" err="1"/>
               <a:t>end</a:t>
             </a:r>
             <a:r>
-              <a:rPr lang="pt-BR" dirty="0" smtClean="0"/>
+              <a:rPr lang="pt-BR" dirty="0"/>
               <a:t>:</a:t>
             </a:r>
-            <a:endParaRPr lang="pt-BR" dirty="0"/>
           </a:p>
           <a:p>
             <a:endParaRPr lang="pt-BR" dirty="0"/>
@@ -7818,7 +7727,7 @@
           <p:cNvPr id="5" name="Espaço Reservado para Conteúdo 2">
             <a:extLst>
               <a:ext uri="{FF2B5EF4-FFF2-40B4-BE49-F238E27FC236}">
-                <a16:creationId xmlns:a16="http://schemas.microsoft.com/office/drawing/2014/main" xmlns="" id="{88F22D5E-AE81-4FF7-9AA6-F55E0D53A92B}"/>
+                <a16:creationId xmlns:a16="http://schemas.microsoft.com/office/drawing/2014/main" id="{88F22D5E-AE81-4FF7-9AA6-F55E0D53A92B}"/>
               </a:ext>
             </a:extLst>
           </p:cNvPr>
@@ -8096,11 +8005,7 @@
             </a:r>
             <a:r>
               <a:rPr lang="pt-BR" dirty="0"/>
-              <a:t> </a:t>
-            </a:r>
-            <a:r>
-              <a:rPr lang="pt-BR" dirty="0"/>
-              <a:t>front-</a:t>
+              <a:t> front-</a:t>
             </a:r>
             <a:r>
               <a:rPr lang="pt-BR" dirty="0" err="1"/>
@@ -8110,7 +8015,6 @@
               <a:rPr lang="pt-BR" dirty="0"/>
               <a:t>:</a:t>
             </a:r>
-            <a:endParaRPr lang="pt-BR" dirty="0"/>
           </a:p>
           <a:p>
             <a:pPr lvl="1"/>
@@ -8120,11 +8024,7 @@
             </a:r>
             <a:r>
               <a:rPr lang="pt-BR" dirty="0"/>
-              <a:t> </a:t>
-            </a:r>
-            <a:r>
-              <a:rPr lang="pt-BR" dirty="0"/>
-              <a:t>Back-</a:t>
+              <a:t> Back-</a:t>
             </a:r>
             <a:r>
               <a:rPr lang="pt-BR" dirty="0" err="1"/>
@@ -8134,7 +8034,6 @@
               <a:rPr lang="pt-BR" dirty="0"/>
               <a:t>:</a:t>
             </a:r>
-            <a:endParaRPr lang="pt-BR" dirty="0"/>
           </a:p>
           <a:p>
             <a:endParaRPr lang="pt-BR" dirty="0"/>
@@ -8179,7 +8078,7 @@
           <p:cNvPr id="2" name="Título 1">
             <a:extLst>
               <a:ext uri="{FF2B5EF4-FFF2-40B4-BE49-F238E27FC236}">
-                <a16:creationId xmlns:a16="http://schemas.microsoft.com/office/drawing/2014/main" xmlns="" id="{FA9E81F2-F35F-4701-8F3C-E79202095F38}"/>
+                <a16:creationId xmlns:a16="http://schemas.microsoft.com/office/drawing/2014/main" id="{FA9E81F2-F35F-4701-8F3C-E79202095F38}"/>
               </a:ext>
             </a:extLst>
           </p:cNvPr>
@@ -8211,7 +8110,7 @@
           <p:cNvPr id="3" name="Espaço Reservado para Conteúdo 2">
             <a:extLst>
               <a:ext uri="{FF2B5EF4-FFF2-40B4-BE49-F238E27FC236}">
-                <a16:creationId xmlns:a16="http://schemas.microsoft.com/office/drawing/2014/main" xmlns="" id="{1867FF3C-FB7F-4CAA-8B3E-C94535C57D36}"/>
+                <a16:creationId xmlns:a16="http://schemas.microsoft.com/office/drawing/2014/main" id="{1867FF3C-FB7F-4CAA-8B3E-C94535C57D36}"/>
               </a:ext>
             </a:extLst>
           </p:cNvPr>
@@ -8257,27 +8156,18 @@
             <a:pPr lvl="1"/>
             <a:r>
               <a:rPr lang="pt-BR" sz="3000" dirty="0"/>
-              <a:t>Herança e </a:t>
-            </a:r>
-            <a:r>
-              <a:rPr lang="pt-BR" sz="3000" dirty="0" smtClean="0"/>
-              <a:t>polimorfismo</a:t>
-            </a:r>
-            <a:endParaRPr lang="pt-BR" sz="3000" dirty="0"/>
+              <a:t>Herança e polimorfismo</a:t>
+            </a:r>
           </a:p>
           <a:p>
             <a:pPr lvl="1"/>
             <a:r>
-              <a:rPr lang="pt-BR" sz="3000" dirty="0" err="1" smtClean="0"/>
+              <a:rPr lang="pt-BR" sz="3000" dirty="0" err="1"/>
               <a:t>Overloading</a:t>
             </a:r>
             <a:r>
-              <a:rPr lang="pt-BR" sz="3000" dirty="0" smtClean="0"/>
-              <a:t> </a:t>
-            </a:r>
-            <a:r>
               <a:rPr lang="pt-BR" sz="3000" dirty="0"/>
-              <a:t>e </a:t>
+              <a:t> e </a:t>
             </a:r>
             <a:r>
               <a:rPr lang="pt-BR" sz="3000" dirty="0" err="1"/>
@@ -8285,15 +8175,7 @@
             </a:r>
             <a:r>
               <a:rPr lang="pt-BR" sz="3000" dirty="0"/>
-              <a:t> </a:t>
-            </a:r>
-            <a:r>
-              <a:rPr lang="pt-BR" sz="3000" dirty="0" smtClean="0"/>
-              <a:t>de </a:t>
-            </a:r>
-            <a:r>
-              <a:rPr lang="pt-BR" sz="3000" dirty="0"/>
-              <a:t>método</a:t>
+              <a:t> de método</a:t>
             </a:r>
           </a:p>
           <a:p>
@@ -8307,7 +8189,7 @@
           <p:cNvPr id="5" name="Espaço Reservado para Conteúdo 2">
             <a:extLst>
               <a:ext uri="{FF2B5EF4-FFF2-40B4-BE49-F238E27FC236}">
-                <a16:creationId xmlns:a16="http://schemas.microsoft.com/office/drawing/2014/main" xmlns="" id="{45A8706A-8F09-43B7-9763-B33B89E197D3}"/>
+                <a16:creationId xmlns:a16="http://schemas.microsoft.com/office/drawing/2014/main" id="{45A8706A-8F09-43B7-9763-B33B89E197D3}"/>
               </a:ext>
             </a:extLst>
           </p:cNvPr>
@@ -8625,7 +8507,7 @@
           <p:cNvPr id="2" name="Título 1">
             <a:extLst>
               <a:ext uri="{FF2B5EF4-FFF2-40B4-BE49-F238E27FC236}">
-                <a16:creationId xmlns:a16="http://schemas.microsoft.com/office/drawing/2014/main" xmlns="" id="{FA9E81F2-F35F-4701-8F3C-E79202095F38}"/>
+                <a16:creationId xmlns:a16="http://schemas.microsoft.com/office/drawing/2014/main" id="{FA9E81F2-F35F-4701-8F3C-E79202095F38}"/>
               </a:ext>
             </a:extLst>
           </p:cNvPr>
@@ -8657,7 +8539,7 @@
           <p:cNvPr id="3" name="Espaço Reservado para Conteúdo 2">
             <a:extLst>
               <a:ext uri="{FF2B5EF4-FFF2-40B4-BE49-F238E27FC236}">
-                <a16:creationId xmlns:a16="http://schemas.microsoft.com/office/drawing/2014/main" xmlns="" id="{1867FF3C-FB7F-4CAA-8B3E-C94535C57D36}"/>
+                <a16:creationId xmlns:a16="http://schemas.microsoft.com/office/drawing/2014/main" id="{1867FF3C-FB7F-4CAA-8B3E-C94535C57D36}"/>
               </a:ext>
             </a:extLst>
           </p:cNvPr>
@@ -8707,7 +8589,7 @@
           <p:cNvPr id="5" name="Espaço Reservado para Conteúdo 2">
             <a:extLst>
               <a:ext uri="{FF2B5EF4-FFF2-40B4-BE49-F238E27FC236}">
-                <a16:creationId xmlns:a16="http://schemas.microsoft.com/office/drawing/2014/main" xmlns="" id="{45A8706A-8F09-43B7-9763-B33B89E197D3}"/>
+                <a16:creationId xmlns:a16="http://schemas.microsoft.com/office/drawing/2014/main" id="{45A8706A-8F09-43B7-9763-B33B89E197D3}"/>
               </a:ext>
             </a:extLst>
           </p:cNvPr>
@@ -9025,7 +8907,7 @@
           <p:cNvPr id="2" name="Título 1">
             <a:extLst>
               <a:ext uri="{FF2B5EF4-FFF2-40B4-BE49-F238E27FC236}">
-                <a16:creationId xmlns:a16="http://schemas.microsoft.com/office/drawing/2014/main" xmlns="" id="{FA9E81F2-F35F-4701-8F3C-E79202095F38}"/>
+                <a16:creationId xmlns:a16="http://schemas.microsoft.com/office/drawing/2014/main" id="{FA9E81F2-F35F-4701-8F3C-E79202095F38}"/>
               </a:ext>
             </a:extLst>
           </p:cNvPr>
@@ -9057,7 +8939,7 @@
           <p:cNvPr id="3" name="Espaço Reservado para Conteúdo 2">
             <a:extLst>
               <a:ext uri="{FF2B5EF4-FFF2-40B4-BE49-F238E27FC236}">
-                <a16:creationId xmlns:a16="http://schemas.microsoft.com/office/drawing/2014/main" xmlns="" id="{1867FF3C-FB7F-4CAA-8B3E-C94535C57D36}"/>
+                <a16:creationId xmlns:a16="http://schemas.microsoft.com/office/drawing/2014/main" id="{1867FF3C-FB7F-4CAA-8B3E-C94535C57D36}"/>
               </a:ext>
             </a:extLst>
           </p:cNvPr>
@@ -9101,7 +8983,7 @@
               <a:t>Definição corretas das camadas </a:t>
             </a:r>
             <a:r>
-              <a:rPr lang="pt-BR" sz="2600" dirty="0" err="1" smtClean="0"/>
+              <a:rPr lang="pt-BR" sz="2600" dirty="0" err="1"/>
               <a:t>back-end</a:t>
             </a:r>
             <a:endParaRPr lang="pt-BR" sz="2600" dirty="0"/>
@@ -9113,30 +8995,21 @@
               <a:t>Integração entre </a:t>
             </a:r>
             <a:r>
-              <a:rPr lang="pt-BR" sz="2600" dirty="0" err="1" smtClean="0"/>
+              <a:rPr lang="pt-BR" sz="2600" dirty="0" err="1"/>
               <a:t>back-end</a:t>
             </a:r>
             <a:r>
-              <a:rPr lang="pt-BR" sz="2600" dirty="0" smtClean="0"/>
-              <a:t> </a:t>
-            </a:r>
-            <a:r>
               <a:rPr lang="pt-BR" sz="2600" dirty="0"/>
-              <a:t>e </a:t>
-            </a:r>
-            <a:r>
-              <a:rPr lang="pt-BR" sz="2600" dirty="0" smtClean="0"/>
-              <a:t>front-</a:t>
-            </a:r>
-            <a:r>
-              <a:rPr lang="pt-BR" sz="2600" dirty="0" err="1" smtClean="0"/>
+              <a:t> e front-</a:t>
+            </a:r>
+            <a:r>
+              <a:rPr lang="pt-BR" sz="2600" dirty="0" err="1"/>
               <a:t>end</a:t>
             </a:r>
             <a:r>
-              <a:rPr lang="pt-BR" sz="2600" dirty="0" smtClean="0"/>
+              <a:rPr lang="pt-BR" sz="2600" dirty="0"/>
               <a:t> web</a:t>
             </a:r>
-            <a:endParaRPr lang="pt-BR" sz="2600" dirty="0"/>
           </a:p>
         </p:txBody>
       </p:sp>
@@ -9145,7 +9018,7 @@
           <p:cNvPr id="5" name="Espaço Reservado para Conteúdo 2">
             <a:extLst>
               <a:ext uri="{FF2B5EF4-FFF2-40B4-BE49-F238E27FC236}">
-                <a16:creationId xmlns:a16="http://schemas.microsoft.com/office/drawing/2014/main" xmlns="" id="{45A8706A-8F09-43B7-9763-B33B89E197D3}"/>
+                <a16:creationId xmlns:a16="http://schemas.microsoft.com/office/drawing/2014/main" id="{45A8706A-8F09-43B7-9763-B33B89E197D3}"/>
               </a:ext>
             </a:extLst>
           </p:cNvPr>
@@ -9457,7 +9330,7 @@
           <p:cNvPr id="2" name="Título 1">
             <a:extLst>
               <a:ext uri="{FF2B5EF4-FFF2-40B4-BE49-F238E27FC236}">
-                <a16:creationId xmlns:a16="http://schemas.microsoft.com/office/drawing/2014/main" xmlns="" id="{FA9E81F2-F35F-4701-8F3C-E79202095F38}"/>
+                <a16:creationId xmlns:a16="http://schemas.microsoft.com/office/drawing/2014/main" id="{FA9E81F2-F35F-4701-8F3C-E79202095F38}"/>
               </a:ext>
             </a:extLst>
           </p:cNvPr>
@@ -9489,7 +9362,7 @@
           <p:cNvPr id="5" name="Espaço Reservado para Conteúdo 2">
             <a:extLst>
               <a:ext uri="{FF2B5EF4-FFF2-40B4-BE49-F238E27FC236}">
-                <a16:creationId xmlns:a16="http://schemas.microsoft.com/office/drawing/2014/main" xmlns="" id="{45A8706A-8F09-43B7-9763-B33B89E197D3}"/>
+                <a16:creationId xmlns:a16="http://schemas.microsoft.com/office/drawing/2014/main" id="{45A8706A-8F09-43B7-9763-B33B89E197D3}"/>
               </a:ext>
             </a:extLst>
           </p:cNvPr>
@@ -9742,31 +9615,19 @@
           <a:p>
             <a:pPr lvl="2"/>
             <a:r>
-              <a:rPr lang="pt-BR" sz="2800" dirty="0" smtClean="0"/>
-              <a:t>Integração </a:t>
-            </a:r>
-            <a:r>
               <a:rPr lang="pt-BR" sz="2800" dirty="0"/>
-              <a:t>mobile </a:t>
-            </a:r>
-            <a:r>
-              <a:rPr lang="pt-BR" sz="2800" dirty="0" smtClean="0"/>
-              <a:t>front-</a:t>
-            </a:r>
-            <a:r>
-              <a:rPr lang="pt-BR" sz="2800" dirty="0" err="1" smtClean="0"/>
+              <a:t>Integração mobile front-</a:t>
+            </a:r>
+            <a:r>
+              <a:rPr lang="pt-BR" sz="2800" dirty="0" err="1"/>
               <a:t>end</a:t>
             </a:r>
             <a:r>
-              <a:rPr lang="pt-BR" sz="2800" dirty="0" smtClean="0"/>
-              <a:t> </a:t>
-            </a:r>
-            <a:r>
               <a:rPr lang="pt-BR" sz="2800" dirty="0"/>
-              <a:t>com </a:t>
-            </a:r>
-            <a:r>
-              <a:rPr lang="pt-BR" sz="2800" dirty="0" err="1" smtClean="0"/>
+              <a:t> com </a:t>
+            </a:r>
+            <a:r>
+              <a:rPr lang="pt-BR" sz="2800" dirty="0" err="1"/>
               <a:t>back-end</a:t>
             </a:r>
             <a:endParaRPr lang="pt-BR" sz="2800" dirty="0"/>
@@ -9808,7 +9669,7 @@
           <p:cNvPr id="2" name="Título 1">
             <a:extLst>
               <a:ext uri="{FF2B5EF4-FFF2-40B4-BE49-F238E27FC236}">
-                <a16:creationId xmlns:a16="http://schemas.microsoft.com/office/drawing/2014/main" xmlns="" id="{F4856709-6F56-4CD4-9D57-EA39CCA4C679}"/>
+                <a16:creationId xmlns:a16="http://schemas.microsoft.com/office/drawing/2014/main" id="{F4856709-6F56-4CD4-9D57-EA39CCA4C679}"/>
               </a:ext>
             </a:extLst>
           </p:cNvPr>
@@ -9833,7 +9694,7 @@
           <p:cNvPr id="3" name="Espaço Reservado para Conteúdo 2">
             <a:extLst>
               <a:ext uri="{FF2B5EF4-FFF2-40B4-BE49-F238E27FC236}">
-                <a16:creationId xmlns:a16="http://schemas.microsoft.com/office/drawing/2014/main" xmlns="" id="{F8567DE6-2753-4708-9A73-EBC3FFD43F29}"/>
+                <a16:creationId xmlns:a16="http://schemas.microsoft.com/office/drawing/2014/main" id="{F8567DE6-2753-4708-9A73-EBC3FFD43F29}"/>
               </a:ext>
             </a:extLst>
           </p:cNvPr>
@@ -9858,7 +9719,7 @@
           <p:cNvPr id="2050" name="Picture 2" descr="Resultado de imagem para odontologia&quot;">
             <a:extLst>
               <a:ext uri="{FF2B5EF4-FFF2-40B4-BE49-F238E27FC236}">
-                <a16:creationId xmlns:a16="http://schemas.microsoft.com/office/drawing/2014/main" xmlns="" id="{336C65A2-6DD9-4228-A479-5B56E4CF2239}"/>
+                <a16:creationId xmlns:a16="http://schemas.microsoft.com/office/drawing/2014/main" id="{336C65A2-6DD9-4228-A479-5B56E4CF2239}"/>
               </a:ext>
             </a:extLst>
           </p:cNvPr>
@@ -9935,7 +9796,7 @@
           <p:cNvPr id="2" name="Título 1">
             <a:extLst>
               <a:ext uri="{FF2B5EF4-FFF2-40B4-BE49-F238E27FC236}">
-                <a16:creationId xmlns:a16="http://schemas.microsoft.com/office/drawing/2014/main" xmlns="" id="{E22FFB55-E8FF-481B-90D9-DD790A15B212}"/>
+                <a16:creationId xmlns:a16="http://schemas.microsoft.com/office/drawing/2014/main" id="{E22FFB55-E8FF-481B-90D9-DD790A15B212}"/>
               </a:ext>
             </a:extLst>
           </p:cNvPr>
@@ -9963,7 +9824,7 @@
           <p:cNvPr id="3" name="Espaço Reservado para Conteúdo 2">
             <a:extLst>
               <a:ext uri="{FF2B5EF4-FFF2-40B4-BE49-F238E27FC236}">
-                <a16:creationId xmlns:a16="http://schemas.microsoft.com/office/drawing/2014/main" xmlns="" id="{06B57E29-DF5E-4D1A-BADB-602F69242365}"/>
+                <a16:creationId xmlns:a16="http://schemas.microsoft.com/office/drawing/2014/main" id="{06B57E29-DF5E-4D1A-BADB-602F69242365}"/>
               </a:ext>
             </a:extLst>
           </p:cNvPr>
@@ -9987,10 +9848,9 @@
           <a:lstStyle/>
           <a:p>
             <a:r>
-              <a:rPr lang="pt-BR" sz="5900" dirty="0" smtClean="0"/>
+              <a:rPr lang="pt-BR" sz="5900" dirty="0"/>
               <a:t>Funcionalidades:</a:t>
             </a:r>
-            <a:endParaRPr lang="pt-BR" sz="5900" dirty="0"/>
           </a:p>
           <a:p>
             <a:pPr lvl="1"/>
@@ -10026,71 +9886,20 @@
               <a:rPr lang="pt-BR" sz="5100" dirty="0"/>
               <a:t>:</a:t>
             </a:r>
-            <a:endParaRPr lang="pt-BR" sz="5100" dirty="0"/>
           </a:p>
           <a:p>
             <a:pPr lvl="2"/>
             <a:r>
               <a:rPr lang="pt-BR" sz="3800" dirty="0"/>
-              <a:t>Cadastrar paciente com os dados: nome completo, data de nascimento, sexo,  </a:t>
-            </a:r>
-            <a:r>
-              <a:rPr lang="pt-BR" sz="3800" dirty="0" smtClean="0"/>
-              <a:t>telefone;</a:t>
-            </a:r>
-            <a:endParaRPr lang="pt-BR" sz="3800" dirty="0"/>
+              <a:t>Cadastrar paciente com os dados: nome completo, data de nascimento, sexo,  telefone;</a:t>
+            </a:r>
           </a:p>
           <a:p>
             <a:pPr lvl="2"/>
             <a:r>
               <a:rPr lang="pt-BR" sz="3800" dirty="0"/>
-              <a:t>Cadastro de consulta:  </a:t>
-            </a:r>
-            <a:r>
-              <a:rPr lang="pt-BR" sz="3800" dirty="0" smtClean="0"/>
-              <a:t>data </a:t>
-            </a:r>
-            <a:r>
-              <a:rPr lang="pt-BR" sz="3800" dirty="0"/>
-              <a:t>da consulta, </a:t>
-            </a:r>
-            <a:r>
-              <a:rPr lang="pt-BR" sz="3800" dirty="0" smtClean="0"/>
-              <a:t>horário </a:t>
-            </a:r>
-            <a:r>
-              <a:rPr lang="pt-BR" sz="3800" dirty="0"/>
-              <a:t>da consulta, </a:t>
-            </a:r>
-            <a:r>
-              <a:rPr lang="pt-BR" sz="3800" dirty="0" smtClean="0"/>
-              <a:t>valor </a:t>
-            </a:r>
-            <a:r>
-              <a:rPr lang="pt-BR" sz="3800" dirty="0"/>
-              <a:t>da </a:t>
-            </a:r>
-            <a:r>
-              <a:rPr lang="pt-BR" sz="3800" dirty="0" smtClean="0"/>
-              <a:t>consulta</a:t>
-            </a:r>
-            <a:r>
-              <a:rPr lang="pt-BR" sz="3800" dirty="0"/>
-              <a:t>, tipo de especialidade e </a:t>
-            </a:r>
-            <a:r>
-              <a:rPr lang="pt-BR" sz="3800" dirty="0" smtClean="0"/>
-              <a:t>se </a:t>
-            </a:r>
-            <a:r>
-              <a:rPr lang="pt-BR" sz="3800" dirty="0"/>
-              <a:t>foi ou não </a:t>
-            </a:r>
-            <a:r>
-              <a:rPr lang="pt-BR" sz="3800" dirty="0" smtClean="0"/>
-              <a:t>remarcada.</a:t>
-            </a:r>
-            <a:endParaRPr lang="pt-BR" sz="3800" dirty="0"/>
+              <a:t>Cadastro de consulta:  data da consulta, horário da consulta, valor da consulta, tipo de especialidade e se foi ou não remarcada.</a:t>
+            </a:r>
           </a:p>
           <a:p>
             <a:pPr lvl="1"/>
@@ -10107,73 +9916,36 @@
             </a:r>
             <a:r>
               <a:rPr lang="pt-BR" sz="3800" dirty="0"/>
-              <a:t> na </a:t>
-            </a:r>
-            <a:r>
-              <a:rPr lang="pt-BR" sz="3800" dirty="0" smtClean="0"/>
-              <a:t>aplicação;</a:t>
-            </a:r>
-            <a:endParaRPr lang="pt-BR" sz="3800" dirty="0"/>
+              <a:t> na aplicação;</a:t>
+            </a:r>
           </a:p>
           <a:p>
             <a:pPr lvl="2"/>
             <a:r>
               <a:rPr lang="pt-BR" sz="3800" dirty="0"/>
-              <a:t>Consultar o </a:t>
-            </a:r>
-            <a:r>
-              <a:rPr lang="pt-BR" sz="3800" dirty="0" smtClean="0"/>
-              <a:t>histórico</a:t>
-            </a:r>
-            <a:r>
-              <a:rPr lang="pt-BR" sz="3800" dirty="0" smtClean="0"/>
-              <a:t> </a:t>
-            </a:r>
+              <a:t>Consultar o histórico de consultas já realizadas;</a:t>
+            </a:r>
+          </a:p>
+          <a:p>
+            <a:pPr lvl="2"/>
             <a:r>
               <a:rPr lang="pt-BR" sz="3800" dirty="0"/>
-              <a:t>de consultas </a:t>
-            </a:r>
-            <a:r>
-              <a:rPr lang="pt-BR" sz="3800" dirty="0" smtClean="0"/>
-              <a:t>já realizadas;</a:t>
-            </a:r>
-            <a:endParaRPr lang="pt-BR" sz="3800" dirty="0"/>
+              <a:t>Consultar as ‘consultas’ futuras;</a:t>
+            </a:r>
           </a:p>
           <a:p>
             <a:pPr lvl="2"/>
             <a:r>
               <a:rPr lang="pt-BR" sz="3800" dirty="0"/>
-              <a:t>Consultar as ‘consultas’ </a:t>
-            </a:r>
-            <a:r>
-              <a:rPr lang="pt-BR" sz="3800" dirty="0" smtClean="0"/>
-              <a:t>futuras;</a:t>
-            </a:r>
-            <a:endParaRPr lang="pt-BR" sz="3800" dirty="0"/>
+              <a:t>Visualizar seus dados;</a:t>
+            </a:r>
           </a:p>
           <a:p>
             <a:pPr lvl="2"/>
             <a:r>
               <a:rPr lang="pt-BR" sz="3800" dirty="0"/>
-              <a:t>Visualizar seus </a:t>
-            </a:r>
-            <a:r>
-              <a:rPr lang="pt-BR" sz="3800" dirty="0" smtClean="0"/>
-              <a:t>dados;</a:t>
-            </a:r>
-            <a:endParaRPr lang="pt-BR" sz="3800" dirty="0"/>
-          </a:p>
-          <a:p>
-            <a:pPr lvl="2"/>
-            <a:r>
-              <a:rPr lang="pt-BR" sz="3800" dirty="0"/>
-              <a:t>Verificar a soma total das </a:t>
-            </a:r>
-            <a:r>
-              <a:rPr lang="pt-BR" sz="3800" dirty="0" smtClean="0"/>
-              <a:t>consultas;</a:t>
-            </a:r>
-            <a:endParaRPr lang="pt-BR" sz="3800" dirty="0"/>
+              <a:t>Verificar a soma total das consultas;</a:t>
+            </a:r>
           </a:p>
           <a:p>
             <a:pPr lvl="2"/>
@@ -10241,7 +10013,7 @@
           <p:cNvPr id="2" name="Título 1">
             <a:extLst>
               <a:ext uri="{FF2B5EF4-FFF2-40B4-BE49-F238E27FC236}">
-                <a16:creationId xmlns:a16="http://schemas.microsoft.com/office/drawing/2014/main" xmlns="" id="{EFAD387B-453F-45C7-9DF3-34053527848A}"/>
+                <a16:creationId xmlns:a16="http://schemas.microsoft.com/office/drawing/2014/main" id="{EFAD387B-453F-45C7-9DF3-34053527848A}"/>
               </a:ext>
             </a:extLst>
           </p:cNvPr>
@@ -10269,7 +10041,7 @@
           <p:cNvPr id="7" name="Tabela 6">
             <a:extLst>
               <a:ext uri="{FF2B5EF4-FFF2-40B4-BE49-F238E27FC236}">
-                <a16:creationId xmlns:a16="http://schemas.microsoft.com/office/drawing/2014/main" xmlns="" id="{ED4EADB4-A3EA-4263-840F-5811436F6281}"/>
+                <a16:creationId xmlns:a16="http://schemas.microsoft.com/office/drawing/2014/main" id="{ED4EADB4-A3EA-4263-840F-5811436F6281}"/>
               </a:ext>
             </a:extLst>
           </p:cNvPr>
@@ -10298,28 +10070,28 @@
                 <a:gridCol w="883789">
                   <a:extLst>
                     <a:ext uri="{9D8B030D-6E8A-4147-A177-3AD203B41FA5}">
-                      <a16:colId xmlns:a16="http://schemas.microsoft.com/office/drawing/2014/main" xmlns="" val="1013503557"/>
+                      <a16:colId xmlns:a16="http://schemas.microsoft.com/office/drawing/2014/main" val="1013503557"/>
                     </a:ext>
                   </a:extLst>
                 </a:gridCol>
                 <a:gridCol w="1532823">
                   <a:extLst>
                     <a:ext uri="{9D8B030D-6E8A-4147-A177-3AD203B41FA5}">
-                      <a16:colId xmlns:a16="http://schemas.microsoft.com/office/drawing/2014/main" xmlns="" val="3385354555"/>
+                      <a16:colId xmlns:a16="http://schemas.microsoft.com/office/drawing/2014/main" val="3385354555"/>
                     </a:ext>
                   </a:extLst>
                 </a:gridCol>
                 <a:gridCol w="883789">
                   <a:extLst>
                     <a:ext uri="{9D8B030D-6E8A-4147-A177-3AD203B41FA5}">
-                      <a16:colId xmlns:a16="http://schemas.microsoft.com/office/drawing/2014/main" xmlns="" val="2879023305"/>
+                      <a16:colId xmlns:a16="http://schemas.microsoft.com/office/drawing/2014/main" val="2879023305"/>
                     </a:ext>
                   </a:extLst>
                 </a:gridCol>
                 <a:gridCol w="883789">
                   <a:extLst>
                     <a:ext uri="{9D8B030D-6E8A-4147-A177-3AD203B41FA5}">
-                      <a16:colId xmlns:a16="http://schemas.microsoft.com/office/drawing/2014/main" xmlns="" val="931391789"/>
+                      <a16:colId xmlns:a16="http://schemas.microsoft.com/office/drawing/2014/main" val="931391789"/>
                     </a:ext>
                   </a:extLst>
                 </a:gridCol>
@@ -10419,7 +10191,7 @@
                 </a:tc>
                 <a:extLst>
                   <a:ext uri="{0D108BD9-81ED-4DB2-BD59-A6C34878D82A}">
-                    <a16:rowId xmlns:a16="http://schemas.microsoft.com/office/drawing/2014/main" xmlns="" val="3571133901"/>
+                    <a16:rowId xmlns:a16="http://schemas.microsoft.com/office/drawing/2014/main" val="3571133901"/>
                   </a:ext>
                 </a:extLst>
               </a:tr>
@@ -10518,7 +10290,7 @@
                 </a:tc>
                 <a:extLst>
                   <a:ext uri="{0D108BD9-81ED-4DB2-BD59-A6C34878D82A}">
-                    <a16:rowId xmlns:a16="http://schemas.microsoft.com/office/drawing/2014/main" xmlns="" val="665950242"/>
+                    <a16:rowId xmlns:a16="http://schemas.microsoft.com/office/drawing/2014/main" val="665950242"/>
                   </a:ext>
                 </a:extLst>
               </a:tr>
@@ -10617,7 +10389,7 @@
                 </a:tc>
                 <a:extLst>
                   <a:ext uri="{0D108BD9-81ED-4DB2-BD59-A6C34878D82A}">
-                    <a16:rowId xmlns:a16="http://schemas.microsoft.com/office/drawing/2014/main" xmlns="" val="2721557219"/>
+                    <a16:rowId xmlns:a16="http://schemas.microsoft.com/office/drawing/2014/main" val="2721557219"/>
                   </a:ext>
                 </a:extLst>
               </a:tr>
@@ -10716,7 +10488,7 @@
                 </a:tc>
                 <a:extLst>
                   <a:ext uri="{0D108BD9-81ED-4DB2-BD59-A6C34878D82A}">
-                    <a16:rowId xmlns:a16="http://schemas.microsoft.com/office/drawing/2014/main" xmlns="" val="521028366"/>
+                    <a16:rowId xmlns:a16="http://schemas.microsoft.com/office/drawing/2014/main" val="521028366"/>
                   </a:ext>
                 </a:extLst>
               </a:tr>
@@ -10815,7 +10587,7 @@
                 </a:tc>
                 <a:extLst>
                   <a:ext uri="{0D108BD9-81ED-4DB2-BD59-A6C34878D82A}">
-                    <a16:rowId xmlns:a16="http://schemas.microsoft.com/office/drawing/2014/main" xmlns="" val="3642387093"/>
+                    <a16:rowId xmlns:a16="http://schemas.microsoft.com/office/drawing/2014/main" val="3642387093"/>
                   </a:ext>
                 </a:extLst>
               </a:tr>
@@ -10914,7 +10686,7 @@
                 </a:tc>
                 <a:extLst>
                   <a:ext uri="{0D108BD9-81ED-4DB2-BD59-A6C34878D82A}">
-                    <a16:rowId xmlns:a16="http://schemas.microsoft.com/office/drawing/2014/main" xmlns="" val="2924554302"/>
+                    <a16:rowId xmlns:a16="http://schemas.microsoft.com/office/drawing/2014/main" val="2924554302"/>
                   </a:ext>
                 </a:extLst>
               </a:tr>
@@ -11013,7 +10785,7 @@
                 </a:tc>
                 <a:extLst>
                   <a:ext uri="{0D108BD9-81ED-4DB2-BD59-A6C34878D82A}">
-                    <a16:rowId xmlns:a16="http://schemas.microsoft.com/office/drawing/2014/main" xmlns="" val="1632379046"/>
+                    <a16:rowId xmlns:a16="http://schemas.microsoft.com/office/drawing/2014/main" val="1632379046"/>
                   </a:ext>
                 </a:extLst>
               </a:tr>
@@ -11026,7 +10798,7 @@
           <p:cNvPr id="8" name="Retângulo 7">
             <a:extLst>
               <a:ext uri="{FF2B5EF4-FFF2-40B4-BE49-F238E27FC236}">
-                <a16:creationId xmlns:a16="http://schemas.microsoft.com/office/drawing/2014/main" xmlns="" id="{26DE708A-29A1-42E6-B70A-EFE2601740CB}"/>
+                <a16:creationId xmlns:a16="http://schemas.microsoft.com/office/drawing/2014/main" id="{26DE708A-29A1-42E6-B70A-EFE2601740CB}"/>
               </a:ext>
             </a:extLst>
           </p:cNvPr>
@@ -11076,7 +10848,7 @@
           <p:cNvPr id="9" name="Retângulo 8">
             <a:extLst>
               <a:ext uri="{FF2B5EF4-FFF2-40B4-BE49-F238E27FC236}">
-                <a16:creationId xmlns:a16="http://schemas.microsoft.com/office/drawing/2014/main" xmlns="" id="{E941B243-2324-4401-BB89-0FB75C7C0CBC}"/>
+                <a16:creationId xmlns:a16="http://schemas.microsoft.com/office/drawing/2014/main" id="{E941B243-2324-4401-BB89-0FB75C7C0CBC}"/>
               </a:ext>
             </a:extLst>
           </p:cNvPr>
@@ -11126,7 +10898,7 @@
           <p:cNvPr id="10" name="Losango 9">
             <a:extLst>
               <a:ext uri="{FF2B5EF4-FFF2-40B4-BE49-F238E27FC236}">
-                <a16:creationId xmlns:a16="http://schemas.microsoft.com/office/drawing/2014/main" xmlns="" id="{4ADAC4CB-974E-4FF4-8DFE-01380707293D}"/>
+                <a16:creationId xmlns:a16="http://schemas.microsoft.com/office/drawing/2014/main" id="{4ADAC4CB-974E-4FF4-8DFE-01380707293D}"/>
               </a:ext>
             </a:extLst>
           </p:cNvPr>
@@ -11175,7 +10947,7 @@
           <p:cNvPr id="12" name="Conector reto 11">
             <a:extLst>
               <a:ext uri="{FF2B5EF4-FFF2-40B4-BE49-F238E27FC236}">
-                <a16:creationId xmlns:a16="http://schemas.microsoft.com/office/drawing/2014/main" xmlns="" id="{50D7ACE5-0CF5-4BA5-B248-9BB94B1D096B}"/>
+                <a16:creationId xmlns:a16="http://schemas.microsoft.com/office/drawing/2014/main" id="{50D7ACE5-0CF5-4BA5-B248-9BB94B1D096B}"/>
               </a:ext>
             </a:extLst>
           </p:cNvPr>
@@ -11214,7 +10986,7 @@
           <p:cNvPr id="14" name="Conector reto 13">
             <a:extLst>
               <a:ext uri="{FF2B5EF4-FFF2-40B4-BE49-F238E27FC236}">
-                <a16:creationId xmlns:a16="http://schemas.microsoft.com/office/drawing/2014/main" xmlns="" id="{3346E66D-757E-432D-8906-9DDFB5D2D58A}"/>
+                <a16:creationId xmlns:a16="http://schemas.microsoft.com/office/drawing/2014/main" id="{3346E66D-757E-432D-8906-9DDFB5D2D58A}"/>
               </a:ext>
             </a:extLst>
           </p:cNvPr>
@@ -11252,7 +11024,7 @@
           <p:cNvPr id="16" name="CaixaDeTexto 15">
             <a:extLst>
               <a:ext uri="{FF2B5EF4-FFF2-40B4-BE49-F238E27FC236}">
-                <a16:creationId xmlns:a16="http://schemas.microsoft.com/office/drawing/2014/main" xmlns="" id="{C195862E-9F21-49F9-9A96-92097E620CD6}"/>
+                <a16:creationId xmlns:a16="http://schemas.microsoft.com/office/drawing/2014/main" id="{C195862E-9F21-49F9-9A96-92097E620CD6}"/>
               </a:ext>
             </a:extLst>
           </p:cNvPr>
@@ -11287,7 +11059,7 @@
           <p:cNvPr id="17" name="CaixaDeTexto 16">
             <a:extLst>
               <a:ext uri="{FF2B5EF4-FFF2-40B4-BE49-F238E27FC236}">
-                <a16:creationId xmlns:a16="http://schemas.microsoft.com/office/drawing/2014/main" xmlns="" id="{B6E4324B-A44E-496D-A23E-75502A1AACD0}"/>
+                <a16:creationId xmlns:a16="http://schemas.microsoft.com/office/drawing/2014/main" id="{B6E4324B-A44E-496D-A23E-75502A1AACD0}"/>
               </a:ext>
             </a:extLst>
           </p:cNvPr>
@@ -11322,7 +11094,7 @@
           <p:cNvPr id="18" name="Tabela 17">
             <a:extLst>
               <a:ext uri="{FF2B5EF4-FFF2-40B4-BE49-F238E27FC236}">
-                <a16:creationId xmlns:a16="http://schemas.microsoft.com/office/drawing/2014/main" xmlns="" id="{18340160-4047-44FD-8430-8FD2F89B8BFA}"/>
+                <a16:creationId xmlns:a16="http://schemas.microsoft.com/office/drawing/2014/main" id="{18340160-4047-44FD-8430-8FD2F89B8BFA}"/>
               </a:ext>
             </a:extLst>
           </p:cNvPr>
@@ -11351,35 +11123,35 @@
                 <a:gridCol w="893071">
                   <a:extLst>
                     <a:ext uri="{9D8B030D-6E8A-4147-A177-3AD203B41FA5}">
-                      <a16:colId xmlns:a16="http://schemas.microsoft.com/office/drawing/2014/main" xmlns="" val="1896126437"/>
+                      <a16:colId xmlns:a16="http://schemas.microsoft.com/office/drawing/2014/main" val="1896126437"/>
                     </a:ext>
                   </a:extLst>
                 </a:gridCol>
                 <a:gridCol w="1981504">
                   <a:extLst>
                     <a:ext uri="{9D8B030D-6E8A-4147-A177-3AD203B41FA5}">
-                      <a16:colId xmlns:a16="http://schemas.microsoft.com/office/drawing/2014/main" xmlns="" val="3960883108"/>
+                      <a16:colId xmlns:a16="http://schemas.microsoft.com/office/drawing/2014/main" val="3960883108"/>
                     </a:ext>
                   </a:extLst>
                 </a:gridCol>
                 <a:gridCol w="1814053">
                   <a:extLst>
                     <a:ext uri="{9D8B030D-6E8A-4147-A177-3AD203B41FA5}">
-                      <a16:colId xmlns:a16="http://schemas.microsoft.com/office/drawing/2014/main" xmlns="" val="314117896"/>
+                      <a16:colId xmlns:a16="http://schemas.microsoft.com/office/drawing/2014/main" val="314117896"/>
                     </a:ext>
                   </a:extLst>
                 </a:gridCol>
                 <a:gridCol w="893071">
                   <a:extLst>
                     <a:ext uri="{9D8B030D-6E8A-4147-A177-3AD203B41FA5}">
-                      <a16:colId xmlns:a16="http://schemas.microsoft.com/office/drawing/2014/main" xmlns="" val="1401339215"/>
+                      <a16:colId xmlns:a16="http://schemas.microsoft.com/office/drawing/2014/main" val="1401339215"/>
                     </a:ext>
                   </a:extLst>
                 </a:gridCol>
                 <a:gridCol w="1172157">
                   <a:extLst>
                     <a:ext uri="{9D8B030D-6E8A-4147-A177-3AD203B41FA5}">
-                      <a16:colId xmlns:a16="http://schemas.microsoft.com/office/drawing/2014/main" xmlns="" val="3267535901"/>
+                      <a16:colId xmlns:a16="http://schemas.microsoft.com/office/drawing/2014/main" val="3267535901"/>
                     </a:ext>
                   </a:extLst>
                 </a:gridCol>
@@ -11457,7 +11229,7 @@
                 </a:tc>
                 <a:extLst>
                   <a:ext uri="{0D108BD9-81ED-4DB2-BD59-A6C34878D82A}">
-                    <a16:rowId xmlns:a16="http://schemas.microsoft.com/office/drawing/2014/main" xmlns="" val="4202007642"/>
+                    <a16:rowId xmlns:a16="http://schemas.microsoft.com/office/drawing/2014/main" val="4202007642"/>
                   </a:ext>
                 </a:extLst>
               </a:tr>
@@ -11579,7 +11351,7 @@
                 </a:tc>
                 <a:extLst>
                   <a:ext uri="{0D108BD9-81ED-4DB2-BD59-A6C34878D82A}">
-                    <a16:rowId xmlns:a16="http://schemas.microsoft.com/office/drawing/2014/main" xmlns="" val="3484799247"/>
+                    <a16:rowId xmlns:a16="http://schemas.microsoft.com/office/drawing/2014/main" val="3484799247"/>
                   </a:ext>
                 </a:extLst>
               </a:tr>
@@ -11701,7 +11473,7 @@
                 </a:tc>
                 <a:extLst>
                   <a:ext uri="{0D108BD9-81ED-4DB2-BD59-A6C34878D82A}">
-                    <a16:rowId xmlns:a16="http://schemas.microsoft.com/office/drawing/2014/main" xmlns="" val="1591283833"/>
+                    <a16:rowId xmlns:a16="http://schemas.microsoft.com/office/drawing/2014/main" val="1591283833"/>
                   </a:ext>
                 </a:extLst>
               </a:tr>
@@ -11823,7 +11595,7 @@
                 </a:tc>
                 <a:extLst>
                   <a:ext uri="{0D108BD9-81ED-4DB2-BD59-A6C34878D82A}">
-                    <a16:rowId xmlns:a16="http://schemas.microsoft.com/office/drawing/2014/main" xmlns="" val="1515204293"/>
+                    <a16:rowId xmlns:a16="http://schemas.microsoft.com/office/drawing/2014/main" val="1515204293"/>
                   </a:ext>
                 </a:extLst>
               </a:tr>
@@ -11945,7 +11717,7 @@
                 </a:tc>
                 <a:extLst>
                   <a:ext uri="{0D108BD9-81ED-4DB2-BD59-A6C34878D82A}">
-                    <a16:rowId xmlns:a16="http://schemas.microsoft.com/office/drawing/2014/main" xmlns="" val="3755601547"/>
+                    <a16:rowId xmlns:a16="http://schemas.microsoft.com/office/drawing/2014/main" val="3755601547"/>
                   </a:ext>
                 </a:extLst>
               </a:tr>
@@ -11988,7 +11760,7 @@
           <p:cNvPr id="2" name="Título 1">
             <a:extLst>
               <a:ext uri="{FF2B5EF4-FFF2-40B4-BE49-F238E27FC236}">
-                <a16:creationId xmlns:a16="http://schemas.microsoft.com/office/drawing/2014/main" xmlns="" id="{6943DD05-5135-41BA-876A-527328648C39}"/>
+                <a16:creationId xmlns:a16="http://schemas.microsoft.com/office/drawing/2014/main" id="{6943DD05-5135-41BA-876A-527328648C39}"/>
               </a:ext>
             </a:extLst>
           </p:cNvPr>
@@ -12016,7 +11788,7 @@
           <p:cNvPr id="3" name="Espaço Reservado para Conteúdo 2">
             <a:extLst>
               <a:ext uri="{FF2B5EF4-FFF2-40B4-BE49-F238E27FC236}">
-                <a16:creationId xmlns:a16="http://schemas.microsoft.com/office/drawing/2014/main" xmlns="" id="{57D2FF56-96A9-41DD-ACD1-824CE6195F7F}"/>
+                <a16:creationId xmlns:a16="http://schemas.microsoft.com/office/drawing/2014/main" id="{57D2FF56-96A9-41DD-ACD1-824CE6195F7F}"/>
               </a:ext>
             </a:extLst>
           </p:cNvPr>
